--- a/Documentation/Presentations/Final Presentation.pptx
+++ b/Documentation/Presentations/Final Presentation.pptx
@@ -4,6 +4,9 @@
   <p:sldMasterIdLst>
     <p:sldMasterId id="2147483660" r:id="rId1"/>
   </p:sldMasterIdLst>
+  <p:notesMasterIdLst>
+    <p:notesMasterId r:id="rId25"/>
+  </p:notesMasterIdLst>
   <p:sldIdLst>
     <p:sldId id="256" r:id="rId2"/>
     <p:sldId id="257" r:id="rId3"/>
@@ -11,8 +14,23 @@
     <p:sldId id="259" r:id="rId5"/>
     <p:sldId id="260" r:id="rId6"/>
     <p:sldId id="263" r:id="rId7"/>
-    <p:sldId id="261" r:id="rId8"/>
-    <p:sldId id="262" r:id="rId9"/>
+    <p:sldId id="264" r:id="rId8"/>
+    <p:sldId id="265" r:id="rId9"/>
+    <p:sldId id="266" r:id="rId10"/>
+    <p:sldId id="267" r:id="rId11"/>
+    <p:sldId id="268" r:id="rId12"/>
+    <p:sldId id="269" r:id="rId13"/>
+    <p:sldId id="270" r:id="rId14"/>
+    <p:sldId id="261" r:id="rId15"/>
+    <p:sldId id="271" r:id="rId16"/>
+    <p:sldId id="272" r:id="rId17"/>
+    <p:sldId id="273" r:id="rId18"/>
+    <p:sldId id="274" r:id="rId19"/>
+    <p:sldId id="278" r:id="rId20"/>
+    <p:sldId id="262" r:id="rId21"/>
+    <p:sldId id="275" r:id="rId22"/>
+    <p:sldId id="276" r:id="rId23"/>
+    <p:sldId id="277" r:id="rId24"/>
   </p:sldIdLst>
   <p:sldSz cx="12192000" cy="6858000"/>
   <p:notesSz cx="6858000" cy="9144000"/>
@@ -119,6 +137,439 @@
 </p:presentation>
 </file>
 
+<file path=ppt/notesMasters/notesMaster1.xml><?xml version="1.0" encoding="utf-8"?>
+<p:notesMaster xmlns:a="http://schemas.openxmlformats.org/drawingml/2006/main" xmlns:r="http://schemas.openxmlformats.org/officeDocument/2006/relationships" xmlns:p="http://schemas.openxmlformats.org/presentationml/2006/main">
+  <p:cSld>
+    <p:bg>
+      <p:bgRef idx="1001">
+        <a:schemeClr val="bg1"/>
+      </p:bgRef>
+    </p:bg>
+    <p:spTree>
+      <p:nvGrpSpPr>
+        <p:cNvPr id="1" name=""/>
+        <p:cNvGrpSpPr/>
+        <p:nvPr/>
+      </p:nvGrpSpPr>
+      <p:grpSpPr>
+        <a:xfrm>
+          <a:off x="0" y="0"/>
+          <a:ext cx="0" cy="0"/>
+          <a:chOff x="0" y="0"/>
+          <a:chExt cx="0" cy="0"/>
+        </a:xfrm>
+      </p:grpSpPr>
+      <p:sp>
+        <p:nvSpPr>
+          <p:cNvPr id="2" name="Header Placeholder 1"/>
+          <p:cNvSpPr>
+            <a:spLocks noGrp="1"/>
+          </p:cNvSpPr>
+          <p:nvPr>
+            <p:ph type="hdr" sz="quarter"/>
+          </p:nvPr>
+        </p:nvSpPr>
+        <p:spPr>
+          <a:xfrm>
+            <a:off x="0" y="0"/>
+            <a:ext cx="2971800" cy="458788"/>
+          </a:xfrm>
+          <a:prstGeom prst="rect">
+            <a:avLst/>
+          </a:prstGeom>
+        </p:spPr>
+        <p:txBody>
+          <a:bodyPr vert="horz" lIns="91440" tIns="45720" rIns="91440" bIns="45720" rtlCol="0"/>
+          <a:lstStyle>
+            <a:lvl1pPr algn="l">
+              <a:defRPr sz="1200"/>
+            </a:lvl1pPr>
+          </a:lstStyle>
+          <a:p>
+            <a:endParaRPr lang="en-US"/>
+          </a:p>
+        </p:txBody>
+      </p:sp>
+      <p:sp>
+        <p:nvSpPr>
+          <p:cNvPr id="3" name="Date Placeholder 2"/>
+          <p:cNvSpPr>
+            <a:spLocks noGrp="1"/>
+          </p:cNvSpPr>
+          <p:nvPr>
+            <p:ph type="dt" idx="1"/>
+          </p:nvPr>
+        </p:nvSpPr>
+        <p:spPr>
+          <a:xfrm>
+            <a:off x="3884613" y="0"/>
+            <a:ext cx="2971800" cy="458788"/>
+          </a:xfrm>
+          <a:prstGeom prst="rect">
+            <a:avLst/>
+          </a:prstGeom>
+        </p:spPr>
+        <p:txBody>
+          <a:bodyPr vert="horz" lIns="91440" tIns="45720" rIns="91440" bIns="45720" rtlCol="0"/>
+          <a:lstStyle>
+            <a:lvl1pPr algn="r">
+              <a:defRPr sz="1200"/>
+            </a:lvl1pPr>
+          </a:lstStyle>
+          <a:p>
+            <a:fld id="{A5DC0331-9B8E-C24A-AB70-53FA4D0993C4}" type="datetimeFigureOut">
+              <a:rPr lang="en-US" smtClean="0"/>
+              <a:t>5/6/23</a:t>
+            </a:fld>
+            <a:endParaRPr lang="en-US"/>
+          </a:p>
+        </p:txBody>
+      </p:sp>
+      <p:sp>
+        <p:nvSpPr>
+          <p:cNvPr id="4" name="Slide Image Placeholder 3"/>
+          <p:cNvSpPr>
+            <a:spLocks noGrp="1" noRot="1" noChangeAspect="1"/>
+          </p:cNvSpPr>
+          <p:nvPr>
+            <p:ph type="sldImg" idx="2"/>
+          </p:nvPr>
+        </p:nvSpPr>
+        <p:spPr>
+          <a:xfrm>
+            <a:off x="685800" y="1143000"/>
+            <a:ext cx="5486400" cy="3086100"/>
+          </a:xfrm>
+          <a:prstGeom prst="rect">
+            <a:avLst/>
+          </a:prstGeom>
+          <a:noFill/>
+          <a:ln w="12700">
+            <a:solidFill>
+              <a:prstClr val="black"/>
+            </a:solidFill>
+          </a:ln>
+        </p:spPr>
+        <p:txBody>
+          <a:bodyPr vert="horz" lIns="91440" tIns="45720" rIns="91440" bIns="45720" rtlCol="0" anchor="ctr"/>
+          <a:lstStyle/>
+          <a:p>
+            <a:endParaRPr lang="en-US"/>
+          </a:p>
+        </p:txBody>
+      </p:sp>
+      <p:sp>
+        <p:nvSpPr>
+          <p:cNvPr id="5" name="Notes Placeholder 4"/>
+          <p:cNvSpPr>
+            <a:spLocks noGrp="1"/>
+          </p:cNvSpPr>
+          <p:nvPr>
+            <p:ph type="body" sz="quarter" idx="3"/>
+          </p:nvPr>
+        </p:nvSpPr>
+        <p:spPr>
+          <a:xfrm>
+            <a:off x="685800" y="4400550"/>
+            <a:ext cx="5486400" cy="3600450"/>
+          </a:xfrm>
+          <a:prstGeom prst="rect">
+            <a:avLst/>
+          </a:prstGeom>
+        </p:spPr>
+        <p:txBody>
+          <a:bodyPr vert="horz" lIns="91440" tIns="45720" rIns="91440" bIns="45720" rtlCol="0"/>
+          <a:lstStyle/>
+          <a:p>
+            <a:pPr lvl="0"/>
+            <a:r>
+              <a:rPr lang="en-US"/>
+              <a:t>Click to edit Master text styles</a:t>
+            </a:r>
+          </a:p>
+          <a:p>
+            <a:pPr lvl="1"/>
+            <a:r>
+              <a:rPr lang="en-US"/>
+              <a:t>Second level</a:t>
+            </a:r>
+          </a:p>
+          <a:p>
+            <a:pPr lvl="2"/>
+            <a:r>
+              <a:rPr lang="en-US"/>
+              <a:t>Third level</a:t>
+            </a:r>
+          </a:p>
+          <a:p>
+            <a:pPr lvl="3"/>
+            <a:r>
+              <a:rPr lang="en-US"/>
+              <a:t>Fourth level</a:t>
+            </a:r>
+          </a:p>
+          <a:p>
+            <a:pPr lvl="4"/>
+            <a:r>
+              <a:rPr lang="en-US"/>
+              <a:t>Fifth level</a:t>
+            </a:r>
+          </a:p>
+        </p:txBody>
+      </p:sp>
+      <p:sp>
+        <p:nvSpPr>
+          <p:cNvPr id="6" name="Footer Placeholder 5"/>
+          <p:cNvSpPr>
+            <a:spLocks noGrp="1"/>
+          </p:cNvSpPr>
+          <p:nvPr>
+            <p:ph type="ftr" sz="quarter" idx="4"/>
+          </p:nvPr>
+        </p:nvSpPr>
+        <p:spPr>
+          <a:xfrm>
+            <a:off x="0" y="8685213"/>
+            <a:ext cx="2971800" cy="458787"/>
+          </a:xfrm>
+          <a:prstGeom prst="rect">
+            <a:avLst/>
+          </a:prstGeom>
+        </p:spPr>
+        <p:txBody>
+          <a:bodyPr vert="horz" lIns="91440" tIns="45720" rIns="91440" bIns="45720" rtlCol="0" anchor="b"/>
+          <a:lstStyle>
+            <a:lvl1pPr algn="l">
+              <a:defRPr sz="1200"/>
+            </a:lvl1pPr>
+          </a:lstStyle>
+          <a:p>
+            <a:endParaRPr lang="en-US"/>
+          </a:p>
+        </p:txBody>
+      </p:sp>
+      <p:sp>
+        <p:nvSpPr>
+          <p:cNvPr id="7" name="Slide Number Placeholder 6"/>
+          <p:cNvSpPr>
+            <a:spLocks noGrp="1"/>
+          </p:cNvSpPr>
+          <p:nvPr>
+            <p:ph type="sldNum" sz="quarter" idx="5"/>
+          </p:nvPr>
+        </p:nvSpPr>
+        <p:spPr>
+          <a:xfrm>
+            <a:off x="3884613" y="8685213"/>
+            <a:ext cx="2971800" cy="458787"/>
+          </a:xfrm>
+          <a:prstGeom prst="rect">
+            <a:avLst/>
+          </a:prstGeom>
+        </p:spPr>
+        <p:txBody>
+          <a:bodyPr vert="horz" lIns="91440" tIns="45720" rIns="91440" bIns="45720" rtlCol="0" anchor="b"/>
+          <a:lstStyle>
+            <a:lvl1pPr algn="r">
+              <a:defRPr sz="1200"/>
+            </a:lvl1pPr>
+          </a:lstStyle>
+          <a:p>
+            <a:fld id="{2737C6C4-CC79-924C-8C6B-6D6430D33094}" type="slidenum">
+              <a:rPr lang="en-US" smtClean="0"/>
+              <a:t>‹#›</a:t>
+            </a:fld>
+            <a:endParaRPr lang="en-US"/>
+          </a:p>
+        </p:txBody>
+      </p:sp>
+    </p:spTree>
+    <p:extLst>
+      <p:ext uri="{BB962C8B-B14F-4D97-AF65-F5344CB8AC3E}">
+        <p14:creationId xmlns:p14="http://schemas.microsoft.com/office/powerpoint/2010/main" val="3873072946"/>
+      </p:ext>
+    </p:extLst>
+  </p:cSld>
+  <p:clrMap bg1="lt1" tx1="dk1" bg2="lt2" tx2="dk2" accent1="accent1" accent2="accent2" accent3="accent3" accent4="accent4" accent5="accent5" accent6="accent6" hlink="hlink" folHlink="folHlink"/>
+  <p:notesStyle>
+    <a:lvl1pPr marL="0" algn="l" defTabSz="914400" rtl="0" eaLnBrk="1" latinLnBrk="0" hangingPunct="1">
+      <a:defRPr sz="1200" kern="1200">
+        <a:solidFill>
+          <a:schemeClr val="tx1"/>
+        </a:solidFill>
+        <a:latin typeface="+mn-lt"/>
+        <a:ea typeface="+mn-ea"/>
+        <a:cs typeface="+mn-cs"/>
+      </a:defRPr>
+    </a:lvl1pPr>
+    <a:lvl2pPr marL="457200" algn="l" defTabSz="914400" rtl="0" eaLnBrk="1" latinLnBrk="0" hangingPunct="1">
+      <a:defRPr sz="1200" kern="1200">
+        <a:solidFill>
+          <a:schemeClr val="tx1"/>
+        </a:solidFill>
+        <a:latin typeface="+mn-lt"/>
+        <a:ea typeface="+mn-ea"/>
+        <a:cs typeface="+mn-cs"/>
+      </a:defRPr>
+    </a:lvl2pPr>
+    <a:lvl3pPr marL="914400" algn="l" defTabSz="914400" rtl="0" eaLnBrk="1" latinLnBrk="0" hangingPunct="1">
+      <a:defRPr sz="1200" kern="1200">
+        <a:solidFill>
+          <a:schemeClr val="tx1"/>
+        </a:solidFill>
+        <a:latin typeface="+mn-lt"/>
+        <a:ea typeface="+mn-ea"/>
+        <a:cs typeface="+mn-cs"/>
+      </a:defRPr>
+    </a:lvl3pPr>
+    <a:lvl4pPr marL="1371600" algn="l" defTabSz="914400" rtl="0" eaLnBrk="1" latinLnBrk="0" hangingPunct="1">
+      <a:defRPr sz="1200" kern="1200">
+        <a:solidFill>
+          <a:schemeClr val="tx1"/>
+        </a:solidFill>
+        <a:latin typeface="+mn-lt"/>
+        <a:ea typeface="+mn-ea"/>
+        <a:cs typeface="+mn-cs"/>
+      </a:defRPr>
+    </a:lvl4pPr>
+    <a:lvl5pPr marL="1828800" algn="l" defTabSz="914400" rtl="0" eaLnBrk="1" latinLnBrk="0" hangingPunct="1">
+      <a:defRPr sz="1200" kern="1200">
+        <a:solidFill>
+          <a:schemeClr val="tx1"/>
+        </a:solidFill>
+        <a:latin typeface="+mn-lt"/>
+        <a:ea typeface="+mn-ea"/>
+        <a:cs typeface="+mn-cs"/>
+      </a:defRPr>
+    </a:lvl5pPr>
+    <a:lvl6pPr marL="2286000" algn="l" defTabSz="914400" rtl="0" eaLnBrk="1" latinLnBrk="0" hangingPunct="1">
+      <a:defRPr sz="1200" kern="1200">
+        <a:solidFill>
+          <a:schemeClr val="tx1"/>
+        </a:solidFill>
+        <a:latin typeface="+mn-lt"/>
+        <a:ea typeface="+mn-ea"/>
+        <a:cs typeface="+mn-cs"/>
+      </a:defRPr>
+    </a:lvl6pPr>
+    <a:lvl7pPr marL="2743200" algn="l" defTabSz="914400" rtl="0" eaLnBrk="1" latinLnBrk="0" hangingPunct="1">
+      <a:defRPr sz="1200" kern="1200">
+        <a:solidFill>
+          <a:schemeClr val="tx1"/>
+        </a:solidFill>
+        <a:latin typeface="+mn-lt"/>
+        <a:ea typeface="+mn-ea"/>
+        <a:cs typeface="+mn-cs"/>
+      </a:defRPr>
+    </a:lvl7pPr>
+    <a:lvl8pPr marL="3200400" algn="l" defTabSz="914400" rtl="0" eaLnBrk="1" latinLnBrk="0" hangingPunct="1">
+      <a:defRPr sz="1200" kern="1200">
+        <a:solidFill>
+          <a:schemeClr val="tx1"/>
+        </a:solidFill>
+        <a:latin typeface="+mn-lt"/>
+        <a:ea typeface="+mn-ea"/>
+        <a:cs typeface="+mn-cs"/>
+      </a:defRPr>
+    </a:lvl8pPr>
+    <a:lvl9pPr marL="3657600" algn="l" defTabSz="914400" rtl="0" eaLnBrk="1" latinLnBrk="0" hangingPunct="1">
+      <a:defRPr sz="1200" kern="1200">
+        <a:solidFill>
+          <a:schemeClr val="tx1"/>
+        </a:solidFill>
+        <a:latin typeface="+mn-lt"/>
+        <a:ea typeface="+mn-ea"/>
+        <a:cs typeface="+mn-cs"/>
+      </a:defRPr>
+    </a:lvl9pPr>
+  </p:notesStyle>
+</p:notesMaster>
+</file>
+
+<file path=ppt/notesSlides/notesSlide1.xml><?xml version="1.0" encoding="utf-8"?>
+<p:notes xmlns:a="http://schemas.openxmlformats.org/drawingml/2006/main" xmlns:r="http://schemas.openxmlformats.org/officeDocument/2006/relationships" xmlns:p="http://schemas.openxmlformats.org/presentationml/2006/main">
+  <p:cSld>
+    <p:spTree>
+      <p:nvGrpSpPr>
+        <p:cNvPr id="1" name=""/>
+        <p:cNvGrpSpPr/>
+        <p:nvPr/>
+      </p:nvGrpSpPr>
+      <p:grpSpPr>
+        <a:xfrm>
+          <a:off x="0" y="0"/>
+          <a:ext cx="0" cy="0"/>
+          <a:chOff x="0" y="0"/>
+          <a:chExt cx="0" cy="0"/>
+        </a:xfrm>
+      </p:grpSpPr>
+      <p:sp>
+        <p:nvSpPr>
+          <p:cNvPr id="2" name="Slide Image Placeholder 1"/>
+          <p:cNvSpPr>
+            <a:spLocks noGrp="1" noRot="1" noChangeAspect="1"/>
+          </p:cNvSpPr>
+          <p:nvPr>
+            <p:ph type="sldImg"/>
+          </p:nvPr>
+        </p:nvSpPr>
+        <p:spPr/>
+      </p:sp>
+      <p:sp>
+        <p:nvSpPr>
+          <p:cNvPr id="3" name="Notes Placeholder 2"/>
+          <p:cNvSpPr>
+            <a:spLocks noGrp="1"/>
+          </p:cNvSpPr>
+          <p:nvPr>
+            <p:ph type="body" idx="1"/>
+          </p:nvPr>
+        </p:nvSpPr>
+        <p:spPr/>
+        <p:txBody>
+          <a:bodyPr/>
+          <a:lstStyle/>
+          <a:p>
+            <a:endParaRPr lang="en-US" dirty="0"/>
+          </a:p>
+        </p:txBody>
+      </p:sp>
+      <p:sp>
+        <p:nvSpPr>
+          <p:cNvPr id="4" name="Slide Number Placeholder 3"/>
+          <p:cNvSpPr>
+            <a:spLocks noGrp="1"/>
+          </p:cNvSpPr>
+          <p:nvPr>
+            <p:ph type="sldNum" sz="quarter" idx="5"/>
+          </p:nvPr>
+        </p:nvSpPr>
+        <p:spPr/>
+        <p:txBody>
+          <a:bodyPr/>
+          <a:lstStyle/>
+          <a:p>
+            <a:fld id="{2737C6C4-CC79-924C-8C6B-6D6430D33094}" type="slidenum">
+              <a:rPr lang="en-US" smtClean="0"/>
+              <a:t>20</a:t>
+            </a:fld>
+            <a:endParaRPr lang="en-US"/>
+          </a:p>
+        </p:txBody>
+      </p:sp>
+    </p:spTree>
+    <p:extLst>
+      <p:ext uri="{BB962C8B-B14F-4D97-AF65-F5344CB8AC3E}">
+        <p14:creationId xmlns:p14="http://schemas.microsoft.com/office/powerpoint/2010/main" val="167740039"/>
+      </p:ext>
+    </p:extLst>
+  </p:cSld>
+  <p:clrMapOvr>
+    <a:masterClrMapping/>
+  </p:clrMapOvr>
+</p:notes>
+</file>
+
 <file path=ppt/slideLayouts/slideLayout1.xml><?xml version="1.0" encoding="utf-8"?>
 <p:sldLayout xmlns:a="http://schemas.openxmlformats.org/drawingml/2006/main" xmlns:r="http://schemas.openxmlformats.org/officeDocument/2006/relationships" xmlns:p="http://schemas.openxmlformats.org/presentationml/2006/main" type="title" preserve="1">
   <p:cSld name="Title Slide">
@@ -250,7 +701,7 @@
           <a:p>
             <a:fld id="{722CE982-5EDD-684D-AEA2-7ADF6AD39FCA}" type="datetimeFigureOut">
               <a:rPr lang="en-US" smtClean="0"/>
-              <a:t>4/24/23</a:t>
+              <a:t>5/6/23</a:t>
             </a:fld>
             <a:endParaRPr lang="en-US"/>
           </a:p>
@@ -420,7 +871,7 @@
           <a:p>
             <a:fld id="{722CE982-5EDD-684D-AEA2-7ADF6AD39FCA}" type="datetimeFigureOut">
               <a:rPr lang="en-US" smtClean="0"/>
-              <a:t>4/24/23</a:t>
+              <a:t>5/6/23</a:t>
             </a:fld>
             <a:endParaRPr lang="en-US"/>
           </a:p>
@@ -600,7 +1051,7 @@
           <a:p>
             <a:fld id="{722CE982-5EDD-684D-AEA2-7ADF6AD39FCA}" type="datetimeFigureOut">
               <a:rPr lang="en-US" smtClean="0"/>
-              <a:t>4/24/23</a:t>
+              <a:t>5/6/23</a:t>
             </a:fld>
             <a:endParaRPr lang="en-US"/>
           </a:p>
@@ -770,7 +1221,7 @@
           <a:p>
             <a:fld id="{722CE982-5EDD-684D-AEA2-7ADF6AD39FCA}" type="datetimeFigureOut">
               <a:rPr lang="en-US" smtClean="0"/>
-              <a:t>4/24/23</a:t>
+              <a:t>5/6/23</a:t>
             </a:fld>
             <a:endParaRPr lang="en-US"/>
           </a:p>
@@ -1016,7 +1467,7 @@
           <a:p>
             <a:fld id="{722CE982-5EDD-684D-AEA2-7ADF6AD39FCA}" type="datetimeFigureOut">
               <a:rPr lang="en-US" smtClean="0"/>
-              <a:t>4/24/23</a:t>
+              <a:t>5/6/23</a:t>
             </a:fld>
             <a:endParaRPr lang="en-US"/>
           </a:p>
@@ -1248,7 +1699,7 @@
           <a:p>
             <a:fld id="{722CE982-5EDD-684D-AEA2-7ADF6AD39FCA}" type="datetimeFigureOut">
               <a:rPr lang="en-US" smtClean="0"/>
-              <a:t>4/24/23</a:t>
+              <a:t>5/6/23</a:t>
             </a:fld>
             <a:endParaRPr lang="en-US"/>
           </a:p>
@@ -1615,7 +2066,7 @@
           <a:p>
             <a:fld id="{722CE982-5EDD-684D-AEA2-7ADF6AD39FCA}" type="datetimeFigureOut">
               <a:rPr lang="en-US" smtClean="0"/>
-              <a:t>4/24/23</a:t>
+              <a:t>5/6/23</a:t>
             </a:fld>
             <a:endParaRPr lang="en-US"/>
           </a:p>
@@ -1733,7 +2184,7 @@
           <a:p>
             <a:fld id="{722CE982-5EDD-684D-AEA2-7ADF6AD39FCA}" type="datetimeFigureOut">
               <a:rPr lang="en-US" smtClean="0"/>
-              <a:t>4/24/23</a:t>
+              <a:t>5/6/23</a:t>
             </a:fld>
             <a:endParaRPr lang="en-US"/>
           </a:p>
@@ -1828,7 +2279,7 @@
           <a:p>
             <a:fld id="{722CE982-5EDD-684D-AEA2-7ADF6AD39FCA}" type="datetimeFigureOut">
               <a:rPr lang="en-US" smtClean="0"/>
-              <a:t>4/24/23</a:t>
+              <a:t>5/6/23</a:t>
             </a:fld>
             <a:endParaRPr lang="en-US"/>
           </a:p>
@@ -2105,7 +2556,7 @@
           <a:p>
             <a:fld id="{722CE982-5EDD-684D-AEA2-7ADF6AD39FCA}" type="datetimeFigureOut">
               <a:rPr lang="en-US" smtClean="0"/>
-              <a:t>4/24/23</a:t>
+              <a:t>5/6/23</a:t>
             </a:fld>
             <a:endParaRPr lang="en-US"/>
           </a:p>
@@ -2362,7 +2813,7 @@
           <a:p>
             <a:fld id="{722CE982-5EDD-684D-AEA2-7ADF6AD39FCA}" type="datetimeFigureOut">
               <a:rPr lang="en-US" smtClean="0"/>
-              <a:t>4/24/23</a:t>
+              <a:t>5/6/23</a:t>
             </a:fld>
             <a:endParaRPr lang="en-US"/>
           </a:p>
@@ -2575,7 +3026,7 @@
           <a:p>
             <a:fld id="{722CE982-5EDD-684D-AEA2-7ADF6AD39FCA}" type="datetimeFigureOut">
               <a:rPr lang="en-US" smtClean="0"/>
-              <a:t>4/24/23</a:t>
+              <a:t>5/6/23</a:t>
             </a:fld>
             <a:endParaRPr lang="en-US"/>
           </a:p>
@@ -3049,10 +3500,1090 @@
           </a:p>
         </p:txBody>
       </p:sp>
+      <p:sp>
+        <p:nvSpPr>
+          <p:cNvPr id="4" name="TextBox 3">
+            <a:extLst>
+              <a:ext uri="{FF2B5EF4-FFF2-40B4-BE49-F238E27FC236}">
+                <a16:creationId xmlns:a16="http://schemas.microsoft.com/office/drawing/2014/main" id="{FB25BB32-5E78-8258-7567-18FC3D5D2690}"/>
+              </a:ext>
+            </a:extLst>
+          </p:cNvPr>
+          <p:cNvSpPr txBox="1"/>
+          <p:nvPr/>
+        </p:nvSpPr>
+        <p:spPr>
+          <a:xfrm>
+            <a:off x="4604084" y="1844842"/>
+            <a:ext cx="184731" cy="369332"/>
+          </a:xfrm>
+          <a:prstGeom prst="rect">
+            <a:avLst/>
+          </a:prstGeom>
+          <a:noFill/>
+        </p:spPr>
+        <p:txBody>
+          <a:bodyPr wrap="none" rtlCol="0">
+            <a:spAutoFit/>
+          </a:bodyPr>
+          <a:lstStyle/>
+          <a:p>
+            <a:endParaRPr lang="en-US" dirty="0"/>
+          </a:p>
+        </p:txBody>
+      </p:sp>
     </p:spTree>
     <p:extLst>
       <p:ext uri="{BB962C8B-B14F-4D97-AF65-F5344CB8AC3E}">
         <p14:creationId xmlns:p14="http://schemas.microsoft.com/office/powerpoint/2010/main" val="2319290168"/>
+      </p:ext>
+    </p:extLst>
+  </p:cSld>
+  <p:clrMapOvr>
+    <a:masterClrMapping/>
+  </p:clrMapOvr>
+</p:sld>
+</file>
+
+<file path=ppt/slides/slide10.xml><?xml version="1.0" encoding="utf-8"?>
+<p:sld xmlns:a="http://schemas.openxmlformats.org/drawingml/2006/main" xmlns:r="http://schemas.openxmlformats.org/officeDocument/2006/relationships" xmlns:p="http://schemas.openxmlformats.org/presentationml/2006/main">
+  <p:cSld>
+    <p:spTree>
+      <p:nvGrpSpPr>
+        <p:cNvPr id="1" name=""/>
+        <p:cNvGrpSpPr/>
+        <p:nvPr/>
+      </p:nvGrpSpPr>
+      <p:grpSpPr>
+        <a:xfrm>
+          <a:off x="0" y="0"/>
+          <a:ext cx="0" cy="0"/>
+          <a:chOff x="0" y="0"/>
+          <a:chExt cx="0" cy="0"/>
+        </a:xfrm>
+      </p:grpSpPr>
+      <p:sp>
+        <p:nvSpPr>
+          <p:cNvPr id="2" name="Title 1">
+            <a:extLst>
+              <a:ext uri="{FF2B5EF4-FFF2-40B4-BE49-F238E27FC236}">
+                <a16:creationId xmlns:a16="http://schemas.microsoft.com/office/drawing/2014/main" id="{2A1D2CB9-FA5F-9553-94D6-BE7AE0F42D47}"/>
+              </a:ext>
+            </a:extLst>
+          </p:cNvPr>
+          <p:cNvSpPr>
+            <a:spLocks noGrp="1"/>
+          </p:cNvSpPr>
+          <p:nvPr>
+            <p:ph type="title"/>
+          </p:nvPr>
+        </p:nvSpPr>
+        <p:spPr/>
+        <p:txBody>
+          <a:bodyPr/>
+          <a:lstStyle/>
+          <a:p>
+            <a:r>
+              <a:rPr lang="en-US" dirty="0"/>
+              <a:t>Change Rationale</a:t>
+            </a:r>
+          </a:p>
+        </p:txBody>
+      </p:sp>
+      <p:sp>
+        <p:nvSpPr>
+          <p:cNvPr id="3" name="Content Placeholder 2">
+            <a:extLst>
+              <a:ext uri="{FF2B5EF4-FFF2-40B4-BE49-F238E27FC236}">
+                <a16:creationId xmlns:a16="http://schemas.microsoft.com/office/drawing/2014/main" id="{27FCCA71-2156-40ED-DE79-5AD46F1E7A12}"/>
+              </a:ext>
+            </a:extLst>
+          </p:cNvPr>
+          <p:cNvSpPr>
+            <a:spLocks noGrp="1"/>
+          </p:cNvSpPr>
+          <p:nvPr>
+            <p:ph idx="1"/>
+          </p:nvPr>
+        </p:nvSpPr>
+        <p:spPr/>
+        <p:txBody>
+          <a:bodyPr/>
+          <a:lstStyle/>
+          <a:p>
+            <a:pPr>
+              <a:buFontTx/>
+              <a:buChar char="-"/>
+            </a:pPr>
+            <a:r>
+              <a:rPr lang="en-US" dirty="0"/>
+              <a:t>Backend completely removed because firebase functions as a client side library that requires no custom backend.</a:t>
+            </a:r>
+          </a:p>
+          <a:p>
+            <a:pPr>
+              <a:buFontTx/>
+              <a:buChar char="-"/>
+            </a:pPr>
+            <a:r>
+              <a:rPr lang="en-US" dirty="0"/>
+              <a:t>Vue/</a:t>
+            </a:r>
+            <a:r>
+              <a:rPr lang="en-US" dirty="0" err="1"/>
+              <a:t>Nuxt</a:t>
+            </a:r>
+            <a:r>
+              <a:rPr lang="en-US" dirty="0"/>
+              <a:t> abandoned in favor of more mature and stable React/</a:t>
+            </a:r>
+            <a:r>
+              <a:rPr lang="en-US" dirty="0" err="1"/>
+              <a:t>Next.js</a:t>
+            </a:r>
+            <a:endParaRPr lang="en-US" dirty="0"/>
+          </a:p>
+          <a:p>
+            <a:pPr>
+              <a:buFontTx/>
+              <a:buChar char="-"/>
+            </a:pPr>
+            <a:r>
+              <a:rPr lang="en-US" dirty="0" err="1"/>
+              <a:t>Algolia</a:t>
+            </a:r>
+            <a:r>
+              <a:rPr lang="en-US" dirty="0"/>
+              <a:t> replaced with open source </a:t>
+            </a:r>
+            <a:r>
+              <a:rPr lang="en-US" dirty="0" err="1"/>
+              <a:t>MeiliSearch</a:t>
+            </a:r>
+            <a:r>
+              <a:rPr lang="en-US" dirty="0"/>
+              <a:t>.</a:t>
+            </a:r>
+          </a:p>
+        </p:txBody>
+      </p:sp>
+    </p:spTree>
+    <p:extLst>
+      <p:ext uri="{BB962C8B-B14F-4D97-AF65-F5344CB8AC3E}">
+        <p14:creationId xmlns:p14="http://schemas.microsoft.com/office/powerpoint/2010/main" val="3067617017"/>
+      </p:ext>
+    </p:extLst>
+  </p:cSld>
+  <p:clrMapOvr>
+    <a:masterClrMapping/>
+  </p:clrMapOvr>
+</p:sld>
+</file>
+
+<file path=ppt/slides/slide11.xml><?xml version="1.0" encoding="utf-8"?>
+<p:sld xmlns:a="http://schemas.openxmlformats.org/drawingml/2006/main" xmlns:r="http://schemas.openxmlformats.org/officeDocument/2006/relationships" xmlns:p="http://schemas.openxmlformats.org/presentationml/2006/main">
+  <p:cSld>
+    <p:spTree>
+      <p:nvGrpSpPr>
+        <p:cNvPr id="1" name=""/>
+        <p:cNvGrpSpPr/>
+        <p:nvPr/>
+      </p:nvGrpSpPr>
+      <p:grpSpPr>
+        <a:xfrm>
+          <a:off x="0" y="0"/>
+          <a:ext cx="0" cy="0"/>
+          <a:chOff x="0" y="0"/>
+          <a:chExt cx="0" cy="0"/>
+        </a:xfrm>
+      </p:grpSpPr>
+      <p:sp>
+        <p:nvSpPr>
+          <p:cNvPr id="2" name="Title 1">
+            <a:extLst>
+              <a:ext uri="{FF2B5EF4-FFF2-40B4-BE49-F238E27FC236}">
+                <a16:creationId xmlns:a16="http://schemas.microsoft.com/office/drawing/2014/main" id="{08E1593B-A401-DA1F-6EA9-AAEE867B2ECF}"/>
+              </a:ext>
+            </a:extLst>
+          </p:cNvPr>
+          <p:cNvSpPr>
+            <a:spLocks noGrp="1"/>
+          </p:cNvSpPr>
+          <p:nvPr>
+            <p:ph type="title"/>
+          </p:nvPr>
+        </p:nvSpPr>
+        <p:spPr/>
+        <p:txBody>
+          <a:bodyPr/>
+          <a:lstStyle/>
+          <a:p>
+            <a:r>
+              <a:rPr lang="en-US" dirty="0"/>
+              <a:t>Data Flow Diagram</a:t>
+            </a:r>
+          </a:p>
+        </p:txBody>
+      </p:sp>
+      <p:pic>
+        <p:nvPicPr>
+          <p:cNvPr id="4" name="Content Placeholder 11">
+            <a:extLst>
+              <a:ext uri="{FF2B5EF4-FFF2-40B4-BE49-F238E27FC236}">
+                <a16:creationId xmlns:a16="http://schemas.microsoft.com/office/drawing/2014/main" id="{8F604936-2FDD-E5F7-FA9C-89843C53A2A7}"/>
+              </a:ext>
+            </a:extLst>
+          </p:cNvPr>
+          <p:cNvPicPr>
+            <a:picLocks noGrp="1" noChangeAspect="1"/>
+          </p:cNvPicPr>
+          <p:nvPr>
+            <p:ph idx="1"/>
+          </p:nvPr>
+        </p:nvPicPr>
+        <p:blipFill>
+          <a:blip r:embed="rId2"/>
+          <a:stretch>
+            <a:fillRect/>
+          </a:stretch>
+        </p:blipFill>
+        <p:spPr>
+          <a:xfrm>
+            <a:off x="3122657" y="1784985"/>
+            <a:ext cx="8231143" cy="4351338"/>
+          </a:xfrm>
+          <a:prstGeom prst="rect">
+            <a:avLst/>
+          </a:prstGeom>
+        </p:spPr>
+      </p:pic>
+      <p:sp>
+        <p:nvSpPr>
+          <p:cNvPr id="6" name="TextBox 5">
+            <a:extLst>
+              <a:ext uri="{FF2B5EF4-FFF2-40B4-BE49-F238E27FC236}">
+                <a16:creationId xmlns:a16="http://schemas.microsoft.com/office/drawing/2014/main" id="{18F5A618-E481-7C3F-5C7D-8CAE11038E06}"/>
+              </a:ext>
+            </a:extLst>
+          </p:cNvPr>
+          <p:cNvSpPr txBox="1"/>
+          <p:nvPr/>
+        </p:nvSpPr>
+        <p:spPr>
+          <a:xfrm>
+            <a:off x="599440" y="1635759"/>
+            <a:ext cx="2326640" cy="1815882"/>
+          </a:xfrm>
+          <a:prstGeom prst="rect">
+            <a:avLst/>
+          </a:prstGeom>
+          <a:noFill/>
+        </p:spPr>
+        <p:txBody>
+          <a:bodyPr wrap="square" rtlCol="0">
+            <a:spAutoFit/>
+          </a:bodyPr>
+          <a:lstStyle/>
+          <a:p>
+            <a:r>
+              <a:rPr lang="en-US" sz="2800" dirty="0"/>
+              <a:t>Changes:</a:t>
+            </a:r>
+          </a:p>
+          <a:p>
+            <a:r>
+              <a:rPr lang="en-US" sz="2800" dirty="0" err="1"/>
+              <a:t>Algolia</a:t>
+            </a:r>
+            <a:r>
+              <a:rPr lang="en-US" sz="2800" dirty="0"/>
+              <a:t> replaced with Meili.</a:t>
+            </a:r>
+          </a:p>
+        </p:txBody>
+      </p:sp>
+    </p:spTree>
+    <p:extLst>
+      <p:ext uri="{BB962C8B-B14F-4D97-AF65-F5344CB8AC3E}">
+        <p14:creationId xmlns:p14="http://schemas.microsoft.com/office/powerpoint/2010/main" val="2006458237"/>
+      </p:ext>
+    </p:extLst>
+  </p:cSld>
+  <p:clrMapOvr>
+    <a:masterClrMapping/>
+  </p:clrMapOvr>
+</p:sld>
+</file>
+
+<file path=ppt/slides/slide12.xml><?xml version="1.0" encoding="utf-8"?>
+<p:sld xmlns:a="http://schemas.openxmlformats.org/drawingml/2006/main" xmlns:r="http://schemas.openxmlformats.org/officeDocument/2006/relationships" xmlns:p="http://schemas.openxmlformats.org/presentationml/2006/main">
+  <p:cSld>
+    <p:bg>
+      <p:bgPr>
+        <a:solidFill>
+          <a:schemeClr val="tx1"/>
+        </a:solidFill>
+        <a:effectLst/>
+      </p:bgPr>
+    </p:bg>
+    <p:spTree>
+      <p:nvGrpSpPr>
+        <p:cNvPr id="1" name=""/>
+        <p:cNvGrpSpPr/>
+        <p:nvPr/>
+      </p:nvGrpSpPr>
+      <p:grpSpPr>
+        <a:xfrm>
+          <a:off x="0" y="0"/>
+          <a:ext cx="0" cy="0"/>
+          <a:chOff x="0" y="0"/>
+          <a:chExt cx="0" cy="0"/>
+        </a:xfrm>
+      </p:grpSpPr>
+      <p:sp>
+        <p:nvSpPr>
+          <p:cNvPr id="2" name="Title 1">
+            <a:extLst>
+              <a:ext uri="{FF2B5EF4-FFF2-40B4-BE49-F238E27FC236}">
+                <a16:creationId xmlns:a16="http://schemas.microsoft.com/office/drawing/2014/main" id="{2479F818-928B-133F-AD42-7F19DB67DFCE}"/>
+              </a:ext>
+            </a:extLst>
+          </p:cNvPr>
+          <p:cNvSpPr>
+            <a:spLocks noGrp="1"/>
+          </p:cNvSpPr>
+          <p:nvPr>
+            <p:ph type="title"/>
+          </p:nvPr>
+        </p:nvSpPr>
+        <p:spPr/>
+        <p:txBody>
+          <a:bodyPr/>
+          <a:lstStyle/>
+          <a:p>
+            <a:r>
+              <a:rPr lang="en-US" dirty="0">
+                <a:solidFill>
+                  <a:schemeClr val="bg1"/>
+                </a:solidFill>
+              </a:rPr>
+              <a:t>User Flow Diagram</a:t>
+            </a:r>
+          </a:p>
+        </p:txBody>
+      </p:sp>
+      <p:pic>
+        <p:nvPicPr>
+          <p:cNvPr id="4" name="Content Placeholder 4">
+            <a:extLst>
+              <a:ext uri="{FF2B5EF4-FFF2-40B4-BE49-F238E27FC236}">
+                <a16:creationId xmlns:a16="http://schemas.microsoft.com/office/drawing/2014/main" id="{D6E0A77B-DBB6-B476-2A9A-07648512A8C3}"/>
+              </a:ext>
+            </a:extLst>
+          </p:cNvPr>
+          <p:cNvPicPr>
+            <a:picLocks noGrp="1" noChangeAspect="1"/>
+          </p:cNvPicPr>
+          <p:nvPr>
+            <p:ph idx="1"/>
+          </p:nvPr>
+        </p:nvPicPr>
+        <p:blipFill>
+          <a:blip r:embed="rId2">
+            <a:extLst>
+              <a:ext uri="{96DAC541-7B7A-43D3-8B79-37D633B846F1}">
+                <asvg:svgBlip xmlns:asvg="http://schemas.microsoft.com/office/drawing/2016/SVG/main" r:embed="rId3"/>
+              </a:ext>
+            </a:extLst>
+          </a:blip>
+          <a:stretch>
+            <a:fillRect/>
+          </a:stretch>
+        </p:blipFill>
+        <p:spPr>
+          <a:xfrm>
+            <a:off x="3830029" y="683894"/>
+            <a:ext cx="7523771" cy="5564505"/>
+          </a:xfrm>
+        </p:spPr>
+      </p:pic>
+    </p:spTree>
+    <p:extLst>
+      <p:ext uri="{BB962C8B-B14F-4D97-AF65-F5344CB8AC3E}">
+        <p14:creationId xmlns:p14="http://schemas.microsoft.com/office/powerpoint/2010/main" val="1802681179"/>
+      </p:ext>
+    </p:extLst>
+  </p:cSld>
+  <p:clrMapOvr>
+    <a:masterClrMapping/>
+  </p:clrMapOvr>
+</p:sld>
+</file>
+
+<file path=ppt/slides/slide13.xml><?xml version="1.0" encoding="utf-8"?>
+<p:sld xmlns:a="http://schemas.openxmlformats.org/drawingml/2006/main" xmlns:r="http://schemas.openxmlformats.org/officeDocument/2006/relationships" xmlns:p="http://schemas.openxmlformats.org/presentationml/2006/main">
+  <p:cSld>
+    <p:spTree>
+      <p:nvGrpSpPr>
+        <p:cNvPr id="1" name=""/>
+        <p:cNvGrpSpPr/>
+        <p:nvPr/>
+      </p:nvGrpSpPr>
+      <p:grpSpPr>
+        <a:xfrm>
+          <a:off x="0" y="0"/>
+          <a:ext cx="0" cy="0"/>
+          <a:chOff x="0" y="0"/>
+          <a:chExt cx="0" cy="0"/>
+        </a:xfrm>
+      </p:grpSpPr>
+      <p:sp>
+        <p:nvSpPr>
+          <p:cNvPr id="2" name="Title 1">
+            <a:extLst>
+              <a:ext uri="{FF2B5EF4-FFF2-40B4-BE49-F238E27FC236}">
+                <a16:creationId xmlns:a16="http://schemas.microsoft.com/office/drawing/2014/main" id="{4BB590C4-1847-B986-8AFD-55207C4E7EB9}"/>
+              </a:ext>
+            </a:extLst>
+          </p:cNvPr>
+          <p:cNvSpPr>
+            <a:spLocks noGrp="1"/>
+          </p:cNvSpPr>
+          <p:nvPr>
+            <p:ph type="title"/>
+          </p:nvPr>
+        </p:nvSpPr>
+        <p:spPr/>
+        <p:txBody>
+          <a:bodyPr/>
+          <a:lstStyle/>
+          <a:p>
+            <a:r>
+              <a:rPr lang="en-US" dirty="0"/>
+              <a:t>Database Definitions</a:t>
+            </a:r>
+          </a:p>
+        </p:txBody>
+      </p:sp>
+      <p:sp>
+        <p:nvSpPr>
+          <p:cNvPr id="6" name="Content Placeholder 5">
+            <a:extLst>
+              <a:ext uri="{FF2B5EF4-FFF2-40B4-BE49-F238E27FC236}">
+                <a16:creationId xmlns:a16="http://schemas.microsoft.com/office/drawing/2014/main" id="{AB5DBB13-9CAE-096E-B457-5E657927A679}"/>
+              </a:ext>
+            </a:extLst>
+          </p:cNvPr>
+          <p:cNvSpPr>
+            <a:spLocks noGrp="1"/>
+          </p:cNvSpPr>
+          <p:nvPr>
+            <p:ph idx="1"/>
+          </p:nvPr>
+        </p:nvSpPr>
+        <p:spPr/>
+        <p:txBody>
+          <a:bodyPr/>
+          <a:lstStyle/>
+          <a:p>
+            <a:endParaRPr lang="en-US" dirty="0"/>
+          </a:p>
+        </p:txBody>
+      </p:sp>
+      <p:pic>
+        <p:nvPicPr>
+          <p:cNvPr id="7" name="Picture 6">
+            <a:extLst>
+              <a:ext uri="{FF2B5EF4-FFF2-40B4-BE49-F238E27FC236}">
+                <a16:creationId xmlns:a16="http://schemas.microsoft.com/office/drawing/2014/main" id="{07A128A4-8264-F5C7-752A-358E17805E69}"/>
+              </a:ext>
+            </a:extLst>
+          </p:cNvPr>
+          <p:cNvPicPr>
+            <a:picLocks noChangeAspect="1"/>
+          </p:cNvPicPr>
+          <p:nvPr/>
+        </p:nvPicPr>
+        <p:blipFill>
+          <a:blip r:embed="rId2"/>
+          <a:stretch>
+            <a:fillRect/>
+          </a:stretch>
+        </p:blipFill>
+        <p:spPr>
+          <a:xfrm>
+            <a:off x="5698954" y="182562"/>
+            <a:ext cx="3637536" cy="6492875"/>
+          </a:xfrm>
+          <a:prstGeom prst="rect">
+            <a:avLst/>
+          </a:prstGeom>
+        </p:spPr>
+      </p:pic>
+    </p:spTree>
+    <p:extLst>
+      <p:ext uri="{BB962C8B-B14F-4D97-AF65-F5344CB8AC3E}">
+        <p14:creationId xmlns:p14="http://schemas.microsoft.com/office/powerpoint/2010/main" val="4244360953"/>
+      </p:ext>
+    </p:extLst>
+  </p:cSld>
+  <p:clrMapOvr>
+    <a:masterClrMapping/>
+  </p:clrMapOvr>
+</p:sld>
+</file>
+
+<file path=ppt/slides/slide14.xml><?xml version="1.0" encoding="utf-8"?>
+<p:sld xmlns:a="http://schemas.openxmlformats.org/drawingml/2006/main" xmlns:r="http://schemas.openxmlformats.org/officeDocument/2006/relationships" xmlns:p="http://schemas.openxmlformats.org/presentationml/2006/main">
+  <p:cSld>
+    <p:spTree>
+      <p:nvGrpSpPr>
+        <p:cNvPr id="1" name=""/>
+        <p:cNvGrpSpPr/>
+        <p:nvPr/>
+      </p:nvGrpSpPr>
+      <p:grpSpPr>
+        <a:xfrm>
+          <a:off x="0" y="0"/>
+          <a:ext cx="0" cy="0"/>
+          <a:chOff x="0" y="0"/>
+          <a:chExt cx="0" cy="0"/>
+        </a:xfrm>
+      </p:grpSpPr>
+      <p:sp>
+        <p:nvSpPr>
+          <p:cNvPr id="2" name="Title 1">
+            <a:extLst>
+              <a:ext uri="{FF2B5EF4-FFF2-40B4-BE49-F238E27FC236}">
+                <a16:creationId xmlns:a16="http://schemas.microsoft.com/office/drawing/2014/main" id="{AB86083A-CB75-9296-6759-442D6F888900}"/>
+              </a:ext>
+            </a:extLst>
+          </p:cNvPr>
+          <p:cNvSpPr>
+            <a:spLocks noGrp="1"/>
+          </p:cNvSpPr>
+          <p:nvPr>
+            <p:ph type="title"/>
+          </p:nvPr>
+        </p:nvSpPr>
+        <p:spPr/>
+        <p:txBody>
+          <a:bodyPr/>
+          <a:lstStyle/>
+          <a:p>
+            <a:r>
+              <a:rPr lang="en-US" dirty="0"/>
+              <a:t>Testing Cases and Results</a:t>
+            </a:r>
+          </a:p>
+        </p:txBody>
+      </p:sp>
+      <p:sp>
+        <p:nvSpPr>
+          <p:cNvPr id="3" name="Content Placeholder 2">
+            <a:extLst>
+              <a:ext uri="{FF2B5EF4-FFF2-40B4-BE49-F238E27FC236}">
+                <a16:creationId xmlns:a16="http://schemas.microsoft.com/office/drawing/2014/main" id="{CB16C4FB-B883-AE68-6538-2118CD45377F}"/>
+              </a:ext>
+            </a:extLst>
+          </p:cNvPr>
+          <p:cNvSpPr>
+            <a:spLocks noGrp="1"/>
+          </p:cNvSpPr>
+          <p:nvPr>
+            <p:ph idx="1"/>
+          </p:nvPr>
+        </p:nvSpPr>
+        <p:spPr/>
+        <p:txBody>
+          <a:bodyPr/>
+          <a:lstStyle/>
+          <a:p>
+            <a:pPr marL="0" indent="0">
+              <a:buNone/>
+            </a:pPr>
+            <a:r>
+              <a:rPr lang="en-US" dirty="0"/>
+              <a:t>-Show Excel Doc-	</a:t>
+            </a:r>
+          </a:p>
+        </p:txBody>
+      </p:sp>
+    </p:spTree>
+    <p:extLst>
+      <p:ext uri="{BB962C8B-B14F-4D97-AF65-F5344CB8AC3E}">
+        <p14:creationId xmlns:p14="http://schemas.microsoft.com/office/powerpoint/2010/main" val="664875215"/>
+      </p:ext>
+    </p:extLst>
+  </p:cSld>
+  <p:clrMapOvr>
+    <a:masterClrMapping/>
+  </p:clrMapOvr>
+</p:sld>
+</file>
+
+<file path=ppt/slides/slide15.xml><?xml version="1.0" encoding="utf-8"?>
+<p:sld xmlns:a="http://schemas.openxmlformats.org/drawingml/2006/main" xmlns:r="http://schemas.openxmlformats.org/officeDocument/2006/relationships" xmlns:p="http://schemas.openxmlformats.org/presentationml/2006/main">
+  <p:cSld>
+    <p:spTree>
+      <p:nvGrpSpPr>
+        <p:cNvPr id="1" name=""/>
+        <p:cNvGrpSpPr/>
+        <p:nvPr/>
+      </p:nvGrpSpPr>
+      <p:grpSpPr>
+        <a:xfrm>
+          <a:off x="0" y="0"/>
+          <a:ext cx="0" cy="0"/>
+          <a:chOff x="0" y="0"/>
+          <a:chExt cx="0" cy="0"/>
+        </a:xfrm>
+      </p:grpSpPr>
+      <p:sp>
+        <p:nvSpPr>
+          <p:cNvPr id="2" name="Title 1">
+            <a:extLst>
+              <a:ext uri="{FF2B5EF4-FFF2-40B4-BE49-F238E27FC236}">
+                <a16:creationId xmlns:a16="http://schemas.microsoft.com/office/drawing/2014/main" id="{061B8401-34F6-3651-8189-EA9E7C98BCCE}"/>
+              </a:ext>
+            </a:extLst>
+          </p:cNvPr>
+          <p:cNvSpPr>
+            <a:spLocks noGrp="1"/>
+          </p:cNvSpPr>
+          <p:nvPr>
+            <p:ph type="title"/>
+          </p:nvPr>
+        </p:nvSpPr>
+        <p:spPr/>
+        <p:txBody>
+          <a:bodyPr/>
+          <a:lstStyle/>
+          <a:p>
+            <a:r>
+              <a:rPr lang="en-US" dirty="0"/>
+              <a:t>Screen Layouts</a:t>
+            </a:r>
+          </a:p>
+        </p:txBody>
+      </p:sp>
+      <p:pic>
+        <p:nvPicPr>
+          <p:cNvPr id="4" name="Content Placeholder 3">
+            <a:extLst>
+              <a:ext uri="{FF2B5EF4-FFF2-40B4-BE49-F238E27FC236}">
+                <a16:creationId xmlns:a16="http://schemas.microsoft.com/office/drawing/2014/main" id="{E1ACF79B-046F-D27B-711D-8B023CAE299A}"/>
+              </a:ext>
+            </a:extLst>
+          </p:cNvPr>
+          <p:cNvPicPr>
+            <a:picLocks noGrp="1" noChangeAspect="1"/>
+          </p:cNvPicPr>
+          <p:nvPr>
+            <p:ph idx="1"/>
+          </p:nvPr>
+        </p:nvPicPr>
+        <p:blipFill>
+          <a:blip r:embed="rId2"/>
+          <a:stretch>
+            <a:fillRect/>
+          </a:stretch>
+        </p:blipFill>
+        <p:spPr>
+          <a:xfrm>
+            <a:off x="1685157" y="1825625"/>
+            <a:ext cx="8821686" cy="4351338"/>
+          </a:xfrm>
+          <a:prstGeom prst="rect">
+            <a:avLst/>
+          </a:prstGeom>
+        </p:spPr>
+      </p:pic>
+    </p:spTree>
+    <p:extLst>
+      <p:ext uri="{BB962C8B-B14F-4D97-AF65-F5344CB8AC3E}">
+        <p14:creationId xmlns:p14="http://schemas.microsoft.com/office/powerpoint/2010/main" val="2702864984"/>
+      </p:ext>
+    </p:extLst>
+  </p:cSld>
+  <p:clrMapOvr>
+    <a:masterClrMapping/>
+  </p:clrMapOvr>
+</p:sld>
+</file>
+
+<file path=ppt/slides/slide16.xml><?xml version="1.0" encoding="utf-8"?>
+<p:sld xmlns:a="http://schemas.openxmlformats.org/drawingml/2006/main" xmlns:r="http://schemas.openxmlformats.org/officeDocument/2006/relationships" xmlns:p="http://schemas.openxmlformats.org/presentationml/2006/main">
+  <p:cSld>
+    <p:spTree>
+      <p:nvGrpSpPr>
+        <p:cNvPr id="1" name=""/>
+        <p:cNvGrpSpPr/>
+        <p:nvPr/>
+      </p:nvGrpSpPr>
+      <p:grpSpPr>
+        <a:xfrm>
+          <a:off x="0" y="0"/>
+          <a:ext cx="0" cy="0"/>
+          <a:chOff x="0" y="0"/>
+          <a:chExt cx="0" cy="0"/>
+        </a:xfrm>
+      </p:grpSpPr>
+      <p:sp>
+        <p:nvSpPr>
+          <p:cNvPr id="2" name="Title 1">
+            <a:extLst>
+              <a:ext uri="{FF2B5EF4-FFF2-40B4-BE49-F238E27FC236}">
+                <a16:creationId xmlns:a16="http://schemas.microsoft.com/office/drawing/2014/main" id="{4ADF16E7-9635-4288-F144-3963F9694043}"/>
+              </a:ext>
+            </a:extLst>
+          </p:cNvPr>
+          <p:cNvSpPr>
+            <a:spLocks noGrp="1"/>
+          </p:cNvSpPr>
+          <p:nvPr>
+            <p:ph type="title"/>
+          </p:nvPr>
+        </p:nvSpPr>
+        <p:spPr/>
+        <p:txBody>
+          <a:bodyPr/>
+          <a:lstStyle/>
+          <a:p>
+            <a:endParaRPr lang="en-US"/>
+          </a:p>
+        </p:txBody>
+      </p:sp>
+      <p:pic>
+        <p:nvPicPr>
+          <p:cNvPr id="4" name="Content Placeholder 3">
+            <a:extLst>
+              <a:ext uri="{FF2B5EF4-FFF2-40B4-BE49-F238E27FC236}">
+                <a16:creationId xmlns:a16="http://schemas.microsoft.com/office/drawing/2014/main" id="{8B7ED45B-0B6A-542D-1002-15BE0086319D}"/>
+              </a:ext>
+            </a:extLst>
+          </p:cNvPr>
+          <p:cNvPicPr>
+            <a:picLocks noGrp="1" noChangeAspect="1"/>
+          </p:cNvPicPr>
+          <p:nvPr>
+            <p:ph idx="1"/>
+          </p:nvPr>
+        </p:nvPicPr>
+        <p:blipFill>
+          <a:blip r:embed="rId2"/>
+          <a:stretch>
+            <a:fillRect/>
+          </a:stretch>
+        </p:blipFill>
+        <p:spPr>
+          <a:xfrm>
+            <a:off x="207943" y="260985"/>
+            <a:ext cx="10515600" cy="6315872"/>
+          </a:xfrm>
+          <a:prstGeom prst="rect">
+            <a:avLst/>
+          </a:prstGeom>
+        </p:spPr>
+      </p:pic>
+    </p:spTree>
+    <p:extLst>
+      <p:ext uri="{BB962C8B-B14F-4D97-AF65-F5344CB8AC3E}">
+        <p14:creationId xmlns:p14="http://schemas.microsoft.com/office/powerpoint/2010/main" val="2796435552"/>
+      </p:ext>
+    </p:extLst>
+  </p:cSld>
+  <p:clrMapOvr>
+    <a:masterClrMapping/>
+  </p:clrMapOvr>
+</p:sld>
+</file>
+
+<file path=ppt/slides/slide17.xml><?xml version="1.0" encoding="utf-8"?>
+<p:sld xmlns:a="http://schemas.openxmlformats.org/drawingml/2006/main" xmlns:r="http://schemas.openxmlformats.org/officeDocument/2006/relationships" xmlns:p="http://schemas.openxmlformats.org/presentationml/2006/main">
+  <p:cSld>
+    <p:spTree>
+      <p:nvGrpSpPr>
+        <p:cNvPr id="1" name=""/>
+        <p:cNvGrpSpPr/>
+        <p:nvPr/>
+      </p:nvGrpSpPr>
+      <p:grpSpPr>
+        <a:xfrm>
+          <a:off x="0" y="0"/>
+          <a:ext cx="0" cy="0"/>
+          <a:chOff x="0" y="0"/>
+          <a:chExt cx="0" cy="0"/>
+        </a:xfrm>
+      </p:grpSpPr>
+      <p:sp>
+        <p:nvSpPr>
+          <p:cNvPr id="2" name="Title 1">
+            <a:extLst>
+              <a:ext uri="{FF2B5EF4-FFF2-40B4-BE49-F238E27FC236}">
+                <a16:creationId xmlns:a16="http://schemas.microsoft.com/office/drawing/2014/main" id="{99AEEA8B-679C-D675-E7AF-F1C3084EFF20}"/>
+              </a:ext>
+            </a:extLst>
+          </p:cNvPr>
+          <p:cNvSpPr>
+            <a:spLocks noGrp="1"/>
+          </p:cNvSpPr>
+          <p:nvPr>
+            <p:ph type="title"/>
+          </p:nvPr>
+        </p:nvSpPr>
+        <p:spPr/>
+        <p:txBody>
+          <a:bodyPr/>
+          <a:lstStyle/>
+          <a:p>
+            <a:endParaRPr lang="en-US"/>
+          </a:p>
+        </p:txBody>
+      </p:sp>
+      <p:pic>
+        <p:nvPicPr>
+          <p:cNvPr id="4" name="Content Placeholder 3">
+            <a:extLst>
+              <a:ext uri="{FF2B5EF4-FFF2-40B4-BE49-F238E27FC236}">
+                <a16:creationId xmlns:a16="http://schemas.microsoft.com/office/drawing/2014/main" id="{4B6F3C32-D347-25E9-DD15-DA57E06BF8E5}"/>
+              </a:ext>
+            </a:extLst>
+          </p:cNvPr>
+          <p:cNvPicPr>
+            <a:picLocks noGrp="1" noChangeAspect="1"/>
+          </p:cNvPicPr>
+          <p:nvPr>
+            <p:ph idx="1"/>
+          </p:nvPr>
+        </p:nvPicPr>
+        <p:blipFill>
+          <a:blip r:embed="rId2"/>
+          <a:stretch>
+            <a:fillRect/>
+          </a:stretch>
+        </p:blipFill>
+        <p:spPr>
+          <a:xfrm>
+            <a:off x="600920" y="833120"/>
+            <a:ext cx="9914680" cy="5716282"/>
+          </a:xfrm>
+          <a:prstGeom prst="rect">
+            <a:avLst/>
+          </a:prstGeom>
+        </p:spPr>
+      </p:pic>
+    </p:spTree>
+    <p:extLst>
+      <p:ext uri="{BB962C8B-B14F-4D97-AF65-F5344CB8AC3E}">
+        <p14:creationId xmlns:p14="http://schemas.microsoft.com/office/powerpoint/2010/main" val="3945427793"/>
+      </p:ext>
+    </p:extLst>
+  </p:cSld>
+  <p:clrMapOvr>
+    <a:masterClrMapping/>
+  </p:clrMapOvr>
+</p:sld>
+</file>
+
+<file path=ppt/slides/slide18.xml><?xml version="1.0" encoding="utf-8"?>
+<p:sld xmlns:a="http://schemas.openxmlformats.org/drawingml/2006/main" xmlns:r="http://schemas.openxmlformats.org/officeDocument/2006/relationships" xmlns:p="http://schemas.openxmlformats.org/presentationml/2006/main">
+  <p:cSld>
+    <p:spTree>
+      <p:nvGrpSpPr>
+        <p:cNvPr id="1" name=""/>
+        <p:cNvGrpSpPr/>
+        <p:nvPr/>
+      </p:nvGrpSpPr>
+      <p:grpSpPr>
+        <a:xfrm>
+          <a:off x="0" y="0"/>
+          <a:ext cx="0" cy="0"/>
+          <a:chOff x="0" y="0"/>
+          <a:chExt cx="0" cy="0"/>
+        </a:xfrm>
+      </p:grpSpPr>
+      <p:sp>
+        <p:nvSpPr>
+          <p:cNvPr id="2" name="Title 1">
+            <a:extLst>
+              <a:ext uri="{FF2B5EF4-FFF2-40B4-BE49-F238E27FC236}">
+                <a16:creationId xmlns:a16="http://schemas.microsoft.com/office/drawing/2014/main" id="{31561C26-ABC1-2993-BE3A-3FE2468B2BD8}"/>
+              </a:ext>
+            </a:extLst>
+          </p:cNvPr>
+          <p:cNvSpPr>
+            <a:spLocks noGrp="1"/>
+          </p:cNvSpPr>
+          <p:nvPr>
+            <p:ph type="title"/>
+          </p:nvPr>
+        </p:nvSpPr>
+        <p:spPr/>
+        <p:txBody>
+          <a:bodyPr/>
+          <a:lstStyle/>
+          <a:p>
+            <a:endParaRPr lang="en-US" dirty="0"/>
+          </a:p>
+        </p:txBody>
+      </p:sp>
+      <p:pic>
+        <p:nvPicPr>
+          <p:cNvPr id="4" name="Content Placeholder 4">
+            <a:extLst>
+              <a:ext uri="{FF2B5EF4-FFF2-40B4-BE49-F238E27FC236}">
+                <a16:creationId xmlns:a16="http://schemas.microsoft.com/office/drawing/2014/main" id="{FCA3E7E9-0FA8-7CE2-5641-31B42D6A81D2}"/>
+              </a:ext>
+            </a:extLst>
+          </p:cNvPr>
+          <p:cNvPicPr>
+            <a:picLocks noGrp="1" noChangeAspect="1"/>
+          </p:cNvPicPr>
+          <p:nvPr>
+            <p:ph idx="1"/>
+          </p:nvPr>
+        </p:nvPicPr>
+        <p:blipFill>
+          <a:blip r:embed="rId2"/>
+          <a:stretch>
+            <a:fillRect/>
+          </a:stretch>
+        </p:blipFill>
+        <p:spPr>
+          <a:xfrm>
+            <a:off x="838199" y="575945"/>
+            <a:ext cx="10013265" cy="5916930"/>
+          </a:xfrm>
+          <a:prstGeom prst="rect">
+            <a:avLst/>
+          </a:prstGeom>
+        </p:spPr>
+      </p:pic>
+    </p:spTree>
+    <p:extLst>
+      <p:ext uri="{BB962C8B-B14F-4D97-AF65-F5344CB8AC3E}">
+        <p14:creationId xmlns:p14="http://schemas.microsoft.com/office/powerpoint/2010/main" val="3902122915"/>
+      </p:ext>
+    </p:extLst>
+  </p:cSld>
+  <p:clrMapOvr>
+    <a:masterClrMapping/>
+  </p:clrMapOvr>
+</p:sld>
+</file>
+
+<file path=ppt/slides/slide19.xml><?xml version="1.0" encoding="utf-8"?>
+<p:sld xmlns:a="http://schemas.openxmlformats.org/drawingml/2006/main" xmlns:r="http://schemas.openxmlformats.org/officeDocument/2006/relationships" xmlns:p="http://schemas.openxmlformats.org/presentationml/2006/main">
+  <p:cSld>
+    <p:spTree>
+      <p:nvGrpSpPr>
+        <p:cNvPr id="1" name=""/>
+        <p:cNvGrpSpPr/>
+        <p:nvPr/>
+      </p:nvGrpSpPr>
+      <p:grpSpPr>
+        <a:xfrm>
+          <a:off x="0" y="0"/>
+          <a:ext cx="0" cy="0"/>
+          <a:chOff x="0" y="0"/>
+          <a:chExt cx="0" cy="0"/>
+        </a:xfrm>
+      </p:grpSpPr>
+      <p:sp>
+        <p:nvSpPr>
+          <p:cNvPr id="2" name="Title 1">
+            <a:extLst>
+              <a:ext uri="{FF2B5EF4-FFF2-40B4-BE49-F238E27FC236}">
+                <a16:creationId xmlns:a16="http://schemas.microsoft.com/office/drawing/2014/main" id="{428C666D-8F46-1958-4D5D-C188E9CE857A}"/>
+              </a:ext>
+            </a:extLst>
+          </p:cNvPr>
+          <p:cNvSpPr>
+            <a:spLocks noGrp="1"/>
+          </p:cNvSpPr>
+          <p:nvPr>
+            <p:ph type="title"/>
+          </p:nvPr>
+        </p:nvSpPr>
+        <p:spPr/>
+        <p:txBody>
+          <a:bodyPr/>
+          <a:lstStyle/>
+          <a:p>
+            <a:r>
+              <a:rPr lang="en-US" dirty="0"/>
+              <a:t>Mobile Layouts</a:t>
+            </a:r>
+          </a:p>
+        </p:txBody>
+      </p:sp>
+      <p:pic>
+        <p:nvPicPr>
+          <p:cNvPr id="4" name="Content Placeholder 3">
+            <a:extLst>
+              <a:ext uri="{FF2B5EF4-FFF2-40B4-BE49-F238E27FC236}">
+                <a16:creationId xmlns:a16="http://schemas.microsoft.com/office/drawing/2014/main" id="{F2011943-EFB0-E62C-C496-F591976221F5}"/>
+              </a:ext>
+            </a:extLst>
+          </p:cNvPr>
+          <p:cNvPicPr>
+            <a:picLocks noGrp="1" noChangeAspect="1"/>
+          </p:cNvPicPr>
+          <p:nvPr>
+            <p:ph idx="1"/>
+          </p:nvPr>
+        </p:nvPicPr>
+        <p:blipFill>
+          <a:blip r:embed="rId2"/>
+          <a:stretch>
+            <a:fillRect/>
+          </a:stretch>
+        </p:blipFill>
+        <p:spPr>
+          <a:xfrm>
+            <a:off x="4089423" y="1551506"/>
+            <a:ext cx="2455197" cy="4343810"/>
+          </a:xfrm>
+          <a:prstGeom prst="rect">
+            <a:avLst/>
+          </a:prstGeom>
+        </p:spPr>
+      </p:pic>
+      <p:pic>
+        <p:nvPicPr>
+          <p:cNvPr id="5" name="Content Placeholder 3">
+            <a:extLst>
+              <a:ext uri="{FF2B5EF4-FFF2-40B4-BE49-F238E27FC236}">
+                <a16:creationId xmlns:a16="http://schemas.microsoft.com/office/drawing/2014/main" id="{4F53B02C-4974-B61C-E15A-09AAF5789015}"/>
+              </a:ext>
+            </a:extLst>
+          </p:cNvPr>
+          <p:cNvPicPr>
+            <a:picLocks noChangeAspect="1"/>
+          </p:cNvPicPr>
+          <p:nvPr/>
+        </p:nvPicPr>
+        <p:blipFill>
+          <a:blip r:embed="rId3"/>
+          <a:stretch>
+            <a:fillRect/>
+          </a:stretch>
+        </p:blipFill>
+        <p:spPr>
+          <a:xfrm>
+            <a:off x="6544620" y="481342"/>
+            <a:ext cx="5634681" cy="5895316"/>
+          </a:xfrm>
+          <a:prstGeom prst="rect">
+            <a:avLst/>
+          </a:prstGeom>
+        </p:spPr>
+      </p:pic>
+    </p:spTree>
+    <p:extLst>
+      <p:ext uri="{BB962C8B-B14F-4D97-AF65-F5344CB8AC3E}">
+        <p14:creationId xmlns:p14="http://schemas.microsoft.com/office/powerpoint/2010/main" val="3645132100"/>
       </p:ext>
     </p:extLst>
   </p:cSld>
@@ -3128,25 +4659,49 @@
           <a:bodyPr/>
           <a:lstStyle/>
           <a:p>
-            <a:pPr marL="0" indent="0">
-              <a:buNone/>
+            <a:pPr>
+              <a:buFontTx/>
+              <a:buChar char="-"/>
             </a:pPr>
             <a:r>
               <a:rPr lang="en-US" dirty="0"/>
-              <a:t>Working out is intimidating and mysterious to many. Especially for beginners, but really for athletes of all levels, finding a good workout routine is challenging. It often involves searching through web forums, scouring poorly designed websites, and scrubbing through long </a:t>
-            </a:r>
-            <a:r>
-              <a:rPr lang="en-US" dirty="0" err="1"/>
-              <a:t>youtube</a:t>
-            </a:r>
+              <a:t>Working out is intimidating and mysterious to many. </a:t>
+            </a:r>
+          </a:p>
+          <a:p>
+            <a:pPr>
+              <a:buFontTx/>
+              <a:buChar char="-"/>
+            </a:pPr>
             <a:r>
               <a:rPr lang="en-US" dirty="0"/>
-              <a:t> videos to find just one routine that you might end up hating. Oftentimes, the best available solution is an excel sheet that a good Samaritan on the internet put together to share. These are often ugly and work poorly on small screens. Not to mention that they aren’t synchronized or backed up.</a:t>
-            </a:r>
-          </a:p>
-          <a:p>
-            <a:pPr marL="0" indent="0">
-              <a:buNone/>
+              <a:t>Finding a good workout routine is challenging. </a:t>
+            </a:r>
+          </a:p>
+          <a:p>
+            <a:pPr>
+              <a:buFontTx/>
+              <a:buChar char="-"/>
+            </a:pPr>
+            <a:r>
+              <a:rPr lang="en-US" dirty="0"/>
+              <a:t>Excel sheets are ugly and don’t work well on phones</a:t>
+            </a:r>
+          </a:p>
+          <a:p>
+            <a:pPr>
+              <a:buFontTx/>
+              <a:buChar char="-"/>
+            </a:pPr>
+            <a:r>
+              <a:rPr lang="en-US" dirty="0"/>
+              <a:t>Usually, you don’t have a good way of knowing if a routine works well.</a:t>
+            </a:r>
+          </a:p>
+          <a:p>
+            <a:pPr>
+              <a:buFontTx/>
+              <a:buChar char="-"/>
             </a:pPr>
             <a:endParaRPr lang="en-US" dirty="0"/>
           </a:p>
@@ -3156,6 +4711,380 @@
     <p:extLst>
       <p:ext uri="{BB962C8B-B14F-4D97-AF65-F5344CB8AC3E}">
         <p14:creationId xmlns:p14="http://schemas.microsoft.com/office/powerpoint/2010/main" val="1472030608"/>
+      </p:ext>
+    </p:extLst>
+  </p:cSld>
+  <p:clrMapOvr>
+    <a:masterClrMapping/>
+  </p:clrMapOvr>
+</p:sld>
+</file>
+
+<file path=ppt/slides/slide20.xml><?xml version="1.0" encoding="utf-8"?>
+<p:sld xmlns:a="http://schemas.openxmlformats.org/drawingml/2006/main" xmlns:r="http://schemas.openxmlformats.org/officeDocument/2006/relationships" xmlns:p="http://schemas.openxmlformats.org/presentationml/2006/main">
+  <p:cSld>
+    <p:spTree>
+      <p:nvGrpSpPr>
+        <p:cNvPr id="1" name=""/>
+        <p:cNvGrpSpPr/>
+        <p:nvPr/>
+      </p:nvGrpSpPr>
+      <p:grpSpPr>
+        <a:xfrm>
+          <a:off x="0" y="0"/>
+          <a:ext cx="0" cy="0"/>
+          <a:chOff x="0" y="0"/>
+          <a:chExt cx="0" cy="0"/>
+        </a:xfrm>
+      </p:grpSpPr>
+      <p:sp>
+        <p:nvSpPr>
+          <p:cNvPr id="2" name="Title 1">
+            <a:extLst>
+              <a:ext uri="{FF2B5EF4-FFF2-40B4-BE49-F238E27FC236}">
+                <a16:creationId xmlns:a16="http://schemas.microsoft.com/office/drawing/2014/main" id="{7D460C56-EC40-2B5A-254B-B1860D4A16EC}"/>
+              </a:ext>
+            </a:extLst>
+          </p:cNvPr>
+          <p:cNvSpPr>
+            <a:spLocks noGrp="1"/>
+          </p:cNvSpPr>
+          <p:nvPr>
+            <p:ph type="title"/>
+          </p:nvPr>
+        </p:nvSpPr>
+        <p:spPr/>
+        <p:txBody>
+          <a:bodyPr/>
+          <a:lstStyle/>
+          <a:p>
+            <a:r>
+              <a:rPr lang="en-US" dirty="0"/>
+              <a:t>Live Test</a:t>
+            </a:r>
+          </a:p>
+        </p:txBody>
+      </p:sp>
+      <p:sp>
+        <p:nvSpPr>
+          <p:cNvPr id="3" name="Content Placeholder 2">
+            <a:extLst>
+              <a:ext uri="{FF2B5EF4-FFF2-40B4-BE49-F238E27FC236}">
+                <a16:creationId xmlns:a16="http://schemas.microsoft.com/office/drawing/2014/main" id="{F34D9C8D-BBF5-A7E3-8BA1-443926E8E442}"/>
+              </a:ext>
+            </a:extLst>
+          </p:cNvPr>
+          <p:cNvSpPr>
+            <a:spLocks noGrp="1"/>
+          </p:cNvSpPr>
+          <p:nvPr>
+            <p:ph idx="1"/>
+          </p:nvPr>
+        </p:nvSpPr>
+        <p:spPr/>
+        <p:txBody>
+          <a:bodyPr/>
+          <a:lstStyle/>
+          <a:p>
+            <a:pPr marL="0" indent="0">
+              <a:buNone/>
+            </a:pPr>
+            <a:r>
+              <a:rPr lang="en-US" dirty="0"/>
+              <a:t>Let’s see </a:t>
+            </a:r>
+            <a:r>
+              <a:rPr lang="en-US"/>
+              <a:t>it in action.</a:t>
+            </a:r>
+          </a:p>
+        </p:txBody>
+      </p:sp>
+    </p:spTree>
+    <p:extLst>
+      <p:ext uri="{BB962C8B-B14F-4D97-AF65-F5344CB8AC3E}">
+        <p14:creationId xmlns:p14="http://schemas.microsoft.com/office/powerpoint/2010/main" val="2328250714"/>
+      </p:ext>
+    </p:extLst>
+  </p:cSld>
+  <p:clrMapOvr>
+    <a:masterClrMapping/>
+  </p:clrMapOvr>
+</p:sld>
+</file>
+
+<file path=ppt/slides/slide21.xml><?xml version="1.0" encoding="utf-8"?>
+<p:sld xmlns:a="http://schemas.openxmlformats.org/drawingml/2006/main" xmlns:r="http://schemas.openxmlformats.org/officeDocument/2006/relationships" xmlns:p="http://schemas.openxmlformats.org/presentationml/2006/main">
+  <p:cSld>
+    <p:spTree>
+      <p:nvGrpSpPr>
+        <p:cNvPr id="1" name=""/>
+        <p:cNvGrpSpPr/>
+        <p:nvPr/>
+      </p:nvGrpSpPr>
+      <p:grpSpPr>
+        <a:xfrm>
+          <a:off x="0" y="0"/>
+          <a:ext cx="0" cy="0"/>
+          <a:chOff x="0" y="0"/>
+          <a:chExt cx="0" cy="0"/>
+        </a:xfrm>
+      </p:grpSpPr>
+      <p:sp>
+        <p:nvSpPr>
+          <p:cNvPr id="2" name="Title 1">
+            <a:extLst>
+              <a:ext uri="{FF2B5EF4-FFF2-40B4-BE49-F238E27FC236}">
+                <a16:creationId xmlns:a16="http://schemas.microsoft.com/office/drawing/2014/main" id="{64F6C621-F63D-4C19-3846-67B17F0E6D38}"/>
+              </a:ext>
+            </a:extLst>
+          </p:cNvPr>
+          <p:cNvSpPr>
+            <a:spLocks noGrp="1"/>
+          </p:cNvSpPr>
+          <p:nvPr>
+            <p:ph type="title"/>
+          </p:nvPr>
+        </p:nvSpPr>
+        <p:spPr/>
+        <p:txBody>
+          <a:bodyPr/>
+          <a:lstStyle/>
+          <a:p>
+            <a:r>
+              <a:rPr lang="en-US" dirty="0"/>
+              <a:t>Bonus! My Development Workflow</a:t>
+            </a:r>
+          </a:p>
+        </p:txBody>
+      </p:sp>
+      <p:sp>
+        <p:nvSpPr>
+          <p:cNvPr id="3" name="Content Placeholder 2">
+            <a:extLst>
+              <a:ext uri="{FF2B5EF4-FFF2-40B4-BE49-F238E27FC236}">
+                <a16:creationId xmlns:a16="http://schemas.microsoft.com/office/drawing/2014/main" id="{1C8C9656-FA99-E808-0729-F4E7BBA9BC79}"/>
+              </a:ext>
+            </a:extLst>
+          </p:cNvPr>
+          <p:cNvSpPr>
+            <a:spLocks noGrp="1"/>
+          </p:cNvSpPr>
+          <p:nvPr>
+            <p:ph idx="1"/>
+          </p:nvPr>
+        </p:nvSpPr>
+        <p:spPr/>
+        <p:txBody>
+          <a:bodyPr/>
+          <a:lstStyle/>
+          <a:p>
+            <a:pPr marL="0" indent="0">
+              <a:buNone/>
+            </a:pPr>
+            <a:r>
+              <a:rPr lang="en-US" dirty="0"/>
+              <a:t>-Live Demo-</a:t>
+            </a:r>
+          </a:p>
+        </p:txBody>
+      </p:sp>
+    </p:spTree>
+    <p:extLst>
+      <p:ext uri="{BB962C8B-B14F-4D97-AF65-F5344CB8AC3E}">
+        <p14:creationId xmlns:p14="http://schemas.microsoft.com/office/powerpoint/2010/main" val="759115482"/>
+      </p:ext>
+    </p:extLst>
+  </p:cSld>
+  <p:clrMapOvr>
+    <a:masterClrMapping/>
+  </p:clrMapOvr>
+</p:sld>
+</file>
+
+<file path=ppt/slides/slide22.xml><?xml version="1.0" encoding="utf-8"?>
+<p:sld xmlns:a="http://schemas.openxmlformats.org/drawingml/2006/main" xmlns:r="http://schemas.openxmlformats.org/officeDocument/2006/relationships" xmlns:p="http://schemas.openxmlformats.org/presentationml/2006/main">
+  <p:cSld>
+    <p:spTree>
+      <p:nvGrpSpPr>
+        <p:cNvPr id="1" name=""/>
+        <p:cNvGrpSpPr/>
+        <p:nvPr/>
+      </p:nvGrpSpPr>
+      <p:grpSpPr>
+        <a:xfrm>
+          <a:off x="0" y="0"/>
+          <a:ext cx="0" cy="0"/>
+          <a:chOff x="0" y="0"/>
+          <a:chExt cx="0" cy="0"/>
+        </a:xfrm>
+      </p:grpSpPr>
+      <p:sp>
+        <p:nvSpPr>
+          <p:cNvPr id="2" name="Title 1">
+            <a:extLst>
+              <a:ext uri="{FF2B5EF4-FFF2-40B4-BE49-F238E27FC236}">
+                <a16:creationId xmlns:a16="http://schemas.microsoft.com/office/drawing/2014/main" id="{D4135FB7-149B-158B-6E43-F54EF647BC72}"/>
+              </a:ext>
+            </a:extLst>
+          </p:cNvPr>
+          <p:cNvSpPr>
+            <a:spLocks noGrp="1"/>
+          </p:cNvSpPr>
+          <p:nvPr>
+            <p:ph type="title"/>
+          </p:nvPr>
+        </p:nvSpPr>
+        <p:spPr>
+          <a:xfrm>
+            <a:off x="226142" y="247138"/>
+            <a:ext cx="5594555" cy="1325563"/>
+          </a:xfrm>
+        </p:spPr>
+        <p:txBody>
+          <a:bodyPr/>
+          <a:lstStyle/>
+          <a:p>
+            <a:r>
+              <a:rPr lang="en-US" dirty="0"/>
+              <a:t>Development Timeline(Original)</a:t>
+            </a:r>
+          </a:p>
+        </p:txBody>
+      </p:sp>
+      <p:pic>
+        <p:nvPicPr>
+          <p:cNvPr id="4" name="Content Placeholder 3">
+            <a:extLst>
+              <a:ext uri="{FF2B5EF4-FFF2-40B4-BE49-F238E27FC236}">
+                <a16:creationId xmlns:a16="http://schemas.microsoft.com/office/drawing/2014/main" id="{04437A96-6FE2-2359-9F24-B138D4DFE2E1}"/>
+              </a:ext>
+            </a:extLst>
+          </p:cNvPr>
+          <p:cNvPicPr>
+            <a:picLocks noGrp="1" noChangeAspect="1"/>
+          </p:cNvPicPr>
+          <p:nvPr>
+            <p:ph idx="1"/>
+          </p:nvPr>
+        </p:nvPicPr>
+        <p:blipFill>
+          <a:blip r:embed="rId2"/>
+          <a:stretch>
+            <a:fillRect/>
+          </a:stretch>
+        </p:blipFill>
+        <p:spPr>
+          <a:xfrm>
+            <a:off x="5676900" y="0"/>
+            <a:ext cx="6515100" cy="6858000"/>
+          </a:xfrm>
+          <a:prstGeom prst="rect">
+            <a:avLst/>
+          </a:prstGeom>
+        </p:spPr>
+      </p:pic>
+    </p:spTree>
+    <p:extLst>
+      <p:ext uri="{BB962C8B-B14F-4D97-AF65-F5344CB8AC3E}">
+        <p14:creationId xmlns:p14="http://schemas.microsoft.com/office/powerpoint/2010/main" val="915388301"/>
+      </p:ext>
+    </p:extLst>
+  </p:cSld>
+  <p:clrMapOvr>
+    <a:masterClrMapping/>
+  </p:clrMapOvr>
+</p:sld>
+</file>
+
+<file path=ppt/slides/slide23.xml><?xml version="1.0" encoding="utf-8"?>
+<p:sld xmlns:a="http://schemas.openxmlformats.org/drawingml/2006/main" xmlns:r="http://schemas.openxmlformats.org/officeDocument/2006/relationships" xmlns:p="http://schemas.openxmlformats.org/presentationml/2006/main">
+  <p:cSld>
+    <p:spTree>
+      <p:nvGrpSpPr>
+        <p:cNvPr id="1" name=""/>
+        <p:cNvGrpSpPr/>
+        <p:nvPr/>
+      </p:nvGrpSpPr>
+      <p:grpSpPr>
+        <a:xfrm>
+          <a:off x="0" y="0"/>
+          <a:ext cx="0" cy="0"/>
+          <a:chOff x="0" y="0"/>
+          <a:chExt cx="0" cy="0"/>
+        </a:xfrm>
+      </p:grpSpPr>
+      <p:sp>
+        <p:nvSpPr>
+          <p:cNvPr id="2" name="Title 1">
+            <a:extLst>
+              <a:ext uri="{FF2B5EF4-FFF2-40B4-BE49-F238E27FC236}">
+                <a16:creationId xmlns:a16="http://schemas.microsoft.com/office/drawing/2014/main" id="{EB237FD3-8AAA-C3AF-18EB-BA3D91D76FD5}"/>
+              </a:ext>
+            </a:extLst>
+          </p:cNvPr>
+          <p:cNvSpPr>
+            <a:spLocks noGrp="1"/>
+          </p:cNvSpPr>
+          <p:nvPr>
+            <p:ph type="title"/>
+          </p:nvPr>
+        </p:nvSpPr>
+        <p:spPr>
+          <a:xfrm>
+            <a:off x="277761" y="1161537"/>
+            <a:ext cx="3703041" cy="1325563"/>
+          </a:xfrm>
+        </p:spPr>
+        <p:txBody>
+          <a:bodyPr>
+            <a:normAutofit fontScale="90000"/>
+          </a:bodyPr>
+          <a:lstStyle/>
+          <a:p>
+            <a:r>
+              <a:rPr lang="en-US" dirty="0"/>
+              <a:t>Development Timeline(Mid-Semester Refresh)</a:t>
+            </a:r>
+          </a:p>
+        </p:txBody>
+      </p:sp>
+      <p:pic>
+        <p:nvPicPr>
+          <p:cNvPr id="4" name="Content Placeholder 3">
+            <a:extLst>
+              <a:ext uri="{FF2B5EF4-FFF2-40B4-BE49-F238E27FC236}">
+                <a16:creationId xmlns:a16="http://schemas.microsoft.com/office/drawing/2014/main" id="{47763854-E779-144F-7D06-E7D1A1E6F59C}"/>
+              </a:ext>
+            </a:extLst>
+          </p:cNvPr>
+          <p:cNvPicPr>
+            <a:picLocks noGrp="1" noChangeAspect="1"/>
+          </p:cNvPicPr>
+          <p:nvPr>
+            <p:ph idx="1"/>
+          </p:nvPr>
+        </p:nvPicPr>
+        <p:blipFill>
+          <a:blip r:embed="rId2"/>
+          <a:stretch>
+            <a:fillRect/>
+          </a:stretch>
+        </p:blipFill>
+        <p:spPr>
+          <a:xfrm>
+            <a:off x="4541241" y="0"/>
+            <a:ext cx="7650759" cy="6858000"/>
+          </a:xfrm>
+          <a:prstGeom prst="rect">
+            <a:avLst/>
+          </a:prstGeom>
+        </p:spPr>
+      </p:pic>
+    </p:spTree>
+    <p:extLst>
+      <p:ext uri="{BB962C8B-B14F-4D97-AF65-F5344CB8AC3E}">
+        <p14:creationId xmlns:p14="http://schemas.microsoft.com/office/powerpoint/2010/main" val="530956839"/>
       </p:ext>
     </p:extLst>
   </p:cSld>
@@ -3231,8 +5160,9 @@
           <a:bodyPr/>
           <a:lstStyle/>
           <a:p>
-            <a:pPr marL="0" indent="0">
-              <a:buNone/>
+            <a:pPr>
+              <a:buFontTx/>
+              <a:buChar char="-"/>
             </a:pPr>
             <a:r>
               <a:rPr lang="en-US" dirty="0" err="1">
@@ -3252,19 +5182,6 @@
               <a:buNone/>
             </a:pPr>
             <a:r>
-              <a:rPr lang="en-US" dirty="0"/>
-              <a:t>This website allows users to find routines that match their needs, or to record routines that they create or find in a place that is always synchronized and easy to access anywhere.</a:t>
-            </a:r>
-          </a:p>
-          <a:p>
-            <a:pPr marL="0" indent="0">
-              <a:buNone/>
-            </a:pPr>
-            <a:r>
-              <a:rPr lang="en-US" dirty="0"/>
-              <a:t>In the future, </a:t>
-            </a:r>
-            <a:r>
               <a:rPr lang="en-US" dirty="0" err="1">
                 <a:solidFill>
                   <a:srgbClr val="00FFF0"/>
@@ -3273,16 +5190,58 @@
               <a:t>upLift</a:t>
             </a:r>
             <a:r>
+              <a:rPr lang="en-US" dirty="0">
+                <a:solidFill>
+                  <a:srgbClr val="00FFF0"/>
+                </a:solidFill>
+              </a:rPr>
+              <a:t> </a:t>
+            </a:r>
+            <a:r>
               <a:rPr lang="en-US" dirty="0"/>
-              <a:t> has the potential to grow into workout tracking and has room for many clever features such as integrated calculators for progressive overload, </a:t>
-            </a:r>
-            <a:r>
-              <a:rPr lang="en-US" dirty="0" err="1"/>
-              <a:t>deloading</a:t>
-            </a:r>
+              <a:t>allows users to:</a:t>
+            </a:r>
+          </a:p>
+          <a:p>
+            <a:pPr>
+              <a:buFontTx/>
+              <a:buChar char="-"/>
+            </a:pPr>
             <a:r>
               <a:rPr lang="en-US" dirty="0"/>
-              <a:t>, and one rep maximums.</a:t>
+              <a:t>find routines that match their needs </a:t>
+            </a:r>
+          </a:p>
+          <a:p>
+            <a:pPr>
+              <a:buFontTx/>
+              <a:buChar char="-"/>
+            </a:pPr>
+            <a:r>
+              <a:rPr lang="en-US" dirty="0"/>
+              <a:t>Record routines that they create or find </a:t>
+            </a:r>
+          </a:p>
+          <a:p>
+            <a:pPr>
+              <a:buFontTx/>
+              <a:buChar char="-"/>
+            </a:pPr>
+            <a:r>
+              <a:rPr lang="en-US" dirty="0"/>
+              <a:t>In the future, </a:t>
+            </a:r>
+            <a:r>
+              <a:rPr lang="en-US" dirty="0" err="1">
+                <a:solidFill>
+                  <a:srgbClr val="00FFF0"/>
+                </a:solidFill>
+              </a:rPr>
+              <a:t>upLift</a:t>
+            </a:r>
+            <a:r>
+              <a:rPr lang="en-US" dirty="0"/>
+              <a:t> has the potential to grow into a workout tracking and personal health hub.</a:t>
             </a:r>
           </a:p>
         </p:txBody>
@@ -3696,6 +5655,14 @@
 <file path=ppt/slides/slide6.xml><?xml version="1.0" encoding="utf-8"?>
 <p:sld xmlns:a="http://schemas.openxmlformats.org/drawingml/2006/main" xmlns:r="http://schemas.openxmlformats.org/officeDocument/2006/relationships" xmlns:p="http://schemas.openxmlformats.org/presentationml/2006/main">
   <p:cSld>
+    <p:bg>
+      <p:bgPr>
+        <a:solidFill>
+          <a:schemeClr val="bg1"/>
+        </a:solidFill>
+        <a:effectLst/>
+      </p:bgPr>
+    </p:bg>
     <p:spTree>
       <p:nvGrpSpPr>
         <p:cNvPr id="1" name=""/>
@@ -3710,6 +5677,185 @@
           <a:chExt cx="0" cy="0"/>
         </a:xfrm>
       </p:grpSpPr>
+      <p:sp useBgFill="1">
+        <p:nvSpPr>
+          <p:cNvPr id="12" name="Rectangle 11">
+            <a:extLst>
+              <a:ext uri="{FF2B5EF4-FFF2-40B4-BE49-F238E27FC236}">
+                <a16:creationId xmlns:a16="http://schemas.microsoft.com/office/drawing/2014/main" id="{53F29798-D584-4792-9B62-3F5F5C36D619}"/>
+              </a:ext>
+              <a:ext uri="{C183D7F6-B498-43B3-948B-1728B52AA6E4}">
+                <adec:decorative xmlns:adec="http://schemas.microsoft.com/office/drawing/2017/decorative" val="1"/>
+              </a:ext>
+            </a:extLst>
+          </p:cNvPr>
+          <p:cNvSpPr>
+            <a:spLocks noGrp="1" noRot="1" noChangeAspect="1" noMove="1" noResize="1" noEditPoints="1" noAdjustHandles="1" noChangeArrowheads="1" noChangeShapeType="1" noTextEdit="1"/>
+          </p:cNvSpPr>
+          <p:nvPr>
+            <p:extLst>
+              <p:ext uri="{386F3935-93C4-4BCD-93E2-E3B085C9AB24}">
+                <p16:designElem xmlns:p16="http://schemas.microsoft.com/office/powerpoint/2015/main" val="1"/>
+              </p:ext>
+            </p:extLst>
+          </p:nvPr>
+        </p:nvSpPr>
+        <p:spPr>
+          <a:xfrm>
+            <a:off x="0" y="0"/>
+            <a:ext cx="12188952" cy="6858000"/>
+          </a:xfrm>
+          <a:prstGeom prst="rect">
+            <a:avLst/>
+          </a:prstGeom>
+          <a:ln>
+            <a:noFill/>
+          </a:ln>
+        </p:spPr>
+        <p:style>
+          <a:lnRef idx="2">
+            <a:schemeClr val="accent1">
+              <a:shade val="50000"/>
+            </a:schemeClr>
+          </a:lnRef>
+          <a:fillRef idx="1">
+            <a:schemeClr val="accent1"/>
+          </a:fillRef>
+          <a:effectRef idx="0">
+            <a:schemeClr val="accent1"/>
+          </a:effectRef>
+          <a:fontRef idx="minor">
+            <a:schemeClr val="lt1"/>
+          </a:fontRef>
+        </p:style>
+        <p:txBody>
+          <a:bodyPr rtlCol="0" anchor="ctr"/>
+          <a:lstStyle/>
+          <a:p>
+            <a:pPr algn="ctr"/>
+            <a:endParaRPr lang="en-US"/>
+          </a:p>
+        </p:txBody>
+      </p:sp>
+      <p:pic>
+        <p:nvPicPr>
+          <p:cNvPr id="4" name="Content Placeholder 4">
+            <a:extLst>
+              <a:ext uri="{FF2B5EF4-FFF2-40B4-BE49-F238E27FC236}">
+                <a16:creationId xmlns:a16="http://schemas.microsoft.com/office/drawing/2014/main" id="{C10DF7FB-BAB2-C85B-F495-A443BDBAAC51}"/>
+              </a:ext>
+            </a:extLst>
+          </p:cNvPr>
+          <p:cNvPicPr>
+            <a:picLocks noGrp="1" noChangeAspect="1"/>
+          </p:cNvPicPr>
+          <p:nvPr>
+            <p:ph idx="1"/>
+          </p:nvPr>
+        </p:nvPicPr>
+        <p:blipFill>
+          <a:blip r:embed="rId2"/>
+          <a:stretch>
+            <a:fillRect/>
+          </a:stretch>
+        </p:blipFill>
+        <p:spPr>
+          <a:xfrm>
+            <a:off x="1223963" y="1844675"/>
+            <a:ext cx="1817688" cy="1096963"/>
+          </a:xfrm>
+        </p:spPr>
+      </p:pic>
+      <p:pic>
+        <p:nvPicPr>
+          <p:cNvPr id="5" name="Content Placeholder 4">
+            <a:extLst>
+              <a:ext uri="{FF2B5EF4-FFF2-40B4-BE49-F238E27FC236}">
+                <a16:creationId xmlns:a16="http://schemas.microsoft.com/office/drawing/2014/main" id="{8DDE1B2F-DBBE-D417-6126-251EFF374489}"/>
+              </a:ext>
+            </a:extLst>
+          </p:cNvPr>
+          <p:cNvPicPr>
+            <a:picLocks noChangeAspect="1"/>
+          </p:cNvPicPr>
+          <p:nvPr/>
+        </p:nvPicPr>
+        <p:blipFill>
+          <a:blip r:embed="rId3"/>
+          <a:stretch>
+            <a:fillRect/>
+          </a:stretch>
+        </p:blipFill>
+        <p:spPr>
+          <a:xfrm>
+            <a:off x="1223963" y="3008313"/>
+            <a:ext cx="1817688" cy="3286125"/>
+          </a:xfrm>
+          <a:prstGeom prst="rect">
+            <a:avLst/>
+          </a:prstGeom>
+        </p:spPr>
+      </p:pic>
+      <p:pic>
+        <p:nvPicPr>
+          <p:cNvPr id="7" name="Content Placeholder 4">
+            <a:extLst>
+              <a:ext uri="{FF2B5EF4-FFF2-40B4-BE49-F238E27FC236}">
+                <a16:creationId xmlns:a16="http://schemas.microsoft.com/office/drawing/2014/main" id="{EA369711-FD3D-4F65-3235-7B5C32C454D2}"/>
+              </a:ext>
+            </a:extLst>
+          </p:cNvPr>
+          <p:cNvPicPr>
+            <a:picLocks noChangeAspect="1"/>
+          </p:cNvPicPr>
+          <p:nvPr/>
+        </p:nvPicPr>
+        <p:blipFill>
+          <a:blip r:embed="rId4"/>
+          <a:stretch>
+            <a:fillRect/>
+          </a:stretch>
+        </p:blipFill>
+        <p:spPr>
+          <a:xfrm>
+            <a:off x="3108325" y="1844675"/>
+            <a:ext cx="5222875" cy="4449763"/>
+          </a:xfrm>
+          <a:prstGeom prst="rect">
+            <a:avLst/>
+          </a:prstGeom>
+        </p:spPr>
+      </p:pic>
+      <p:pic>
+        <p:nvPicPr>
+          <p:cNvPr id="6" name="Content Placeholder 4">
+            <a:extLst>
+              <a:ext uri="{FF2B5EF4-FFF2-40B4-BE49-F238E27FC236}">
+                <a16:creationId xmlns:a16="http://schemas.microsoft.com/office/drawing/2014/main" id="{35691D6E-3BF8-1618-4D57-266DAAC2EEFE}"/>
+              </a:ext>
+            </a:extLst>
+          </p:cNvPr>
+          <p:cNvPicPr>
+            <a:picLocks noChangeAspect="1"/>
+          </p:cNvPicPr>
+          <p:nvPr/>
+        </p:nvPicPr>
+        <p:blipFill>
+          <a:blip r:embed="rId5"/>
+          <a:stretch>
+            <a:fillRect/>
+          </a:stretch>
+        </p:blipFill>
+        <p:spPr>
+          <a:xfrm>
+            <a:off x="8397875" y="1844675"/>
+            <a:ext cx="2565400" cy="4449763"/>
+          </a:xfrm>
+          <a:prstGeom prst="rect">
+            <a:avLst/>
+          </a:prstGeom>
+        </p:spPr>
+      </p:pic>
       <p:sp>
         <p:nvSpPr>
           <p:cNvPr id="2" name="Title 1">
@@ -3726,48 +5872,29 @@
             <p:ph type="title"/>
           </p:nvPr>
         </p:nvSpPr>
-        <p:spPr/>
-        <p:txBody>
-          <a:bodyPr/>
-          <a:lstStyle/>
-          <a:p>
-            <a:r>
-              <a:rPr lang="en-US" dirty="0"/>
-              <a:t>Installed Packages (</a:t>
-            </a:r>
-            <a:r>
-              <a:rPr lang="en-US" dirty="0" err="1"/>
-              <a:t>package.json</a:t>
-            </a:r>
-            <a:r>
-              <a:rPr lang="en-US" dirty="0"/>
-              <a:t>)</a:t>
-            </a:r>
-          </a:p>
-        </p:txBody>
-      </p:sp>
-      <p:sp>
-        <p:nvSpPr>
-          <p:cNvPr id="3" name="Content Placeholder 2">
-            <a:extLst>
-              <a:ext uri="{FF2B5EF4-FFF2-40B4-BE49-F238E27FC236}">
-                <a16:creationId xmlns:a16="http://schemas.microsoft.com/office/drawing/2014/main" id="{076E2360-03E9-06CA-10DC-0A02AAA6E04F}"/>
-              </a:ext>
-            </a:extLst>
-          </p:cNvPr>
-          <p:cNvSpPr>
-            <a:spLocks noGrp="1"/>
-          </p:cNvSpPr>
-          <p:nvPr>
-            <p:ph idx="1"/>
-          </p:nvPr>
-        </p:nvSpPr>
-        <p:spPr/>
-        <p:txBody>
-          <a:bodyPr/>
-          <a:lstStyle/>
-          <a:p>
-            <a:endParaRPr lang="en-US"/>
+        <p:spPr>
+          <a:xfrm>
+            <a:off x="838200" y="184805"/>
+            <a:ext cx="10515600" cy="1505883"/>
+          </a:xfrm>
+        </p:spPr>
+        <p:txBody>
+          <a:bodyPr vert="horz" lIns="91440" tIns="45720" rIns="91440" bIns="45720" rtlCol="0" anchor="ctr">
+            <a:normAutofit/>
+          </a:bodyPr>
+          <a:lstStyle/>
+          <a:p>
+            <a:r>
+              <a:rPr lang="en-US" sz="5200" kern="1200" dirty="0">
+                <a:solidFill>
+                  <a:schemeClr val="tx1"/>
+                </a:solidFill>
+                <a:latin typeface="+mj-lt"/>
+                <a:ea typeface="+mj-ea"/>
+                <a:cs typeface="+mj-cs"/>
+              </a:rPr>
+              <a:t>Use Case Diagrams</a:t>
+            </a:r>
           </a:p>
         </p:txBody>
       </p:sp>
@@ -3806,7 +5933,7 @@
           <p:cNvPr id="2" name="Title 1">
             <a:extLst>
               <a:ext uri="{FF2B5EF4-FFF2-40B4-BE49-F238E27FC236}">
-                <a16:creationId xmlns:a16="http://schemas.microsoft.com/office/drawing/2014/main" id="{AB86083A-CB75-9296-6759-442D6F888900}"/>
+                <a16:creationId xmlns:a16="http://schemas.microsoft.com/office/drawing/2014/main" id="{118EB03E-777C-255A-AFAE-12D7941DE779}"/>
               </a:ext>
             </a:extLst>
           </p:cNvPr>
@@ -3824,8 +5951,13 @@
           <a:p>
             <a:r>
               <a:rPr lang="en-US" dirty="0"/>
-              <a:t>Testing Results</a:t>
-            </a:r>
+              <a:t>Notable Changes to </a:t>
+            </a:r>
+            <a:r>
+              <a:rPr lang="en-US" dirty="0" err="1"/>
+              <a:t>Usecases</a:t>
+            </a:r>
+            <a:endParaRPr lang="en-US" dirty="0"/>
           </a:p>
         </p:txBody>
       </p:sp>
@@ -3834,7 +5966,7 @@
           <p:cNvPr id="3" name="Content Placeholder 2">
             <a:extLst>
               <a:ext uri="{FF2B5EF4-FFF2-40B4-BE49-F238E27FC236}">
-                <a16:creationId xmlns:a16="http://schemas.microsoft.com/office/drawing/2014/main" id="{CB16C4FB-B883-AE68-6538-2118CD45377F}"/>
+                <a16:creationId xmlns:a16="http://schemas.microsoft.com/office/drawing/2014/main" id="{C16B0471-3C96-D573-125C-B98CC155D6FA}"/>
               </a:ext>
             </a:extLst>
           </p:cNvPr>
@@ -3850,14 +5982,56 @@
           <a:bodyPr/>
           <a:lstStyle/>
           <a:p>
-            <a:endParaRPr lang="en-US"/>
+            <a:pPr>
+              <a:buFontTx/>
+              <a:buChar char="-"/>
+            </a:pPr>
+            <a:r>
+              <a:rPr lang="en-US" dirty="0"/>
+              <a:t>Admin user is completely removed. As a result, all admin related </a:t>
+            </a:r>
+            <a:r>
+              <a:rPr lang="en-US" dirty="0" err="1"/>
+              <a:t>usecases</a:t>
+            </a:r>
+            <a:r>
+              <a:rPr lang="en-US" dirty="0"/>
+              <a:t> are not necessary. </a:t>
+            </a:r>
+          </a:p>
+          <a:p>
+            <a:pPr>
+              <a:buFontTx/>
+              <a:buChar char="-"/>
+            </a:pPr>
+            <a:r>
+              <a:rPr lang="en-US" dirty="0"/>
+              <a:t>Routine Filtering is not necessary. Instead, tags are text searchable.</a:t>
+            </a:r>
+          </a:p>
+          <a:p>
+            <a:pPr>
+              <a:buFontTx/>
+              <a:buChar char="-"/>
+            </a:pPr>
+            <a:r>
+              <a:rPr lang="en-US" dirty="0"/>
+              <a:t>Workout Tracking changed to be a nice-to-have feature</a:t>
+            </a:r>
+          </a:p>
+          <a:p>
+            <a:pPr>
+              <a:buFontTx/>
+              <a:buChar char="-"/>
+            </a:pPr>
+            <a:endParaRPr lang="en-US" dirty="0"/>
           </a:p>
         </p:txBody>
       </p:sp>
     </p:spTree>
     <p:extLst>
       <p:ext uri="{BB962C8B-B14F-4D97-AF65-F5344CB8AC3E}">
-        <p14:creationId xmlns:p14="http://schemas.microsoft.com/office/powerpoint/2010/main" val="664875215"/>
+        <p14:creationId xmlns:p14="http://schemas.microsoft.com/office/powerpoint/2010/main" val="3771801563"/>
       </p:ext>
     </p:extLst>
   </p:cSld>
@@ -3889,7 +6063,7 @@
           <p:cNvPr id="2" name="Title 1">
             <a:extLst>
               <a:ext uri="{FF2B5EF4-FFF2-40B4-BE49-F238E27FC236}">
-                <a16:creationId xmlns:a16="http://schemas.microsoft.com/office/drawing/2014/main" id="{7D460C56-EC40-2B5A-254B-B1860D4A16EC}"/>
+                <a16:creationId xmlns:a16="http://schemas.microsoft.com/office/drawing/2014/main" id="{071D1BD0-E9C7-3688-61D8-8F0E893867CE}"/>
               </a:ext>
             </a:extLst>
           </p:cNvPr>
@@ -3907,43 +6081,142 @@
           <a:p>
             <a:r>
               <a:rPr lang="en-US" dirty="0"/>
-              <a:t>Live Test</a:t>
-            </a:r>
-          </a:p>
-        </p:txBody>
-      </p:sp>
-      <p:sp>
-        <p:nvSpPr>
-          <p:cNvPr id="3" name="Content Placeholder 2">
+              <a:t>Original System </a:t>
+            </a:r>
+            <a:r>
+              <a:rPr lang="en-US" dirty="0" err="1"/>
+              <a:t>Architechture</a:t>
+            </a:r>
+            <a:r>
+              <a:rPr lang="en-US" dirty="0"/>
+              <a:t> Diagram</a:t>
+            </a:r>
+          </a:p>
+        </p:txBody>
+      </p:sp>
+      <p:pic>
+        <p:nvPicPr>
+          <p:cNvPr id="4" name="Content Placeholder 4" descr="Diagram&#10;&#10;Description automatically generated with low confidence">
             <a:extLst>
               <a:ext uri="{FF2B5EF4-FFF2-40B4-BE49-F238E27FC236}">
-                <a16:creationId xmlns:a16="http://schemas.microsoft.com/office/drawing/2014/main" id="{F34D9C8D-BBF5-A7E3-8BA1-443926E8E442}"/>
+                <a16:creationId xmlns:a16="http://schemas.microsoft.com/office/drawing/2014/main" id="{A1C6E1DA-05D0-807E-122C-BC2C99E9432F}"/>
               </a:ext>
             </a:extLst>
           </p:cNvPr>
-          <p:cNvSpPr>
-            <a:spLocks noGrp="1"/>
-          </p:cNvSpPr>
+          <p:cNvPicPr>
+            <a:picLocks noGrp="1" noChangeAspect="1"/>
+          </p:cNvPicPr>
           <p:nvPr>
             <p:ph idx="1"/>
           </p:nvPr>
-        </p:nvSpPr>
-        <p:spPr/>
-        <p:txBody>
-          <a:bodyPr/>
-          <a:lstStyle/>
-          <a:p>
-            <a:pPr marL="0" indent="0">
-              <a:buNone/>
-            </a:pPr>
-            <a:endParaRPr lang="en-US"/>
-          </a:p>
-        </p:txBody>
-      </p:sp>
+        </p:nvPicPr>
+        <p:blipFill>
+          <a:blip r:embed="rId2"/>
+          <a:stretch>
+            <a:fillRect/>
+          </a:stretch>
+        </p:blipFill>
+        <p:spPr>
+          <a:xfrm>
+            <a:off x="2254186" y="1304608"/>
+            <a:ext cx="6879653" cy="5393794"/>
+          </a:xfrm>
+        </p:spPr>
+      </p:pic>
     </p:spTree>
     <p:extLst>
       <p:ext uri="{BB962C8B-B14F-4D97-AF65-F5344CB8AC3E}">
-        <p14:creationId xmlns:p14="http://schemas.microsoft.com/office/powerpoint/2010/main" val="2328250714"/>
+        <p14:creationId xmlns:p14="http://schemas.microsoft.com/office/powerpoint/2010/main" val="3308561231"/>
+      </p:ext>
+    </p:extLst>
+  </p:cSld>
+  <p:clrMapOvr>
+    <a:masterClrMapping/>
+  </p:clrMapOvr>
+</p:sld>
+</file>
+
+<file path=ppt/slides/slide9.xml><?xml version="1.0" encoding="utf-8"?>
+<p:sld xmlns:a="http://schemas.openxmlformats.org/drawingml/2006/main" xmlns:r="http://schemas.openxmlformats.org/officeDocument/2006/relationships" xmlns:p="http://schemas.openxmlformats.org/presentationml/2006/main">
+  <p:cSld>
+    <p:spTree>
+      <p:nvGrpSpPr>
+        <p:cNvPr id="1" name=""/>
+        <p:cNvGrpSpPr/>
+        <p:nvPr/>
+      </p:nvGrpSpPr>
+      <p:grpSpPr>
+        <a:xfrm>
+          <a:off x="0" y="0"/>
+          <a:ext cx="0" cy="0"/>
+          <a:chOff x="0" y="0"/>
+          <a:chExt cx="0" cy="0"/>
+        </a:xfrm>
+      </p:grpSpPr>
+      <p:sp>
+        <p:nvSpPr>
+          <p:cNvPr id="2" name="Title 1">
+            <a:extLst>
+              <a:ext uri="{FF2B5EF4-FFF2-40B4-BE49-F238E27FC236}">
+                <a16:creationId xmlns:a16="http://schemas.microsoft.com/office/drawing/2014/main" id="{E8837A12-234A-41BD-82BA-3FADFE4BF653}"/>
+              </a:ext>
+            </a:extLst>
+          </p:cNvPr>
+          <p:cNvSpPr>
+            <a:spLocks noGrp="1"/>
+          </p:cNvSpPr>
+          <p:nvPr>
+            <p:ph type="title"/>
+          </p:nvPr>
+        </p:nvSpPr>
+        <p:spPr/>
+        <p:txBody>
+          <a:bodyPr/>
+          <a:lstStyle/>
+          <a:p>
+            <a:r>
+              <a:rPr lang="en-US" dirty="0"/>
+              <a:t>Updated System Architecture Diagram</a:t>
+            </a:r>
+          </a:p>
+        </p:txBody>
+      </p:sp>
+      <p:pic>
+        <p:nvPicPr>
+          <p:cNvPr id="4" name="Content Placeholder 3">
+            <a:extLst>
+              <a:ext uri="{FF2B5EF4-FFF2-40B4-BE49-F238E27FC236}">
+                <a16:creationId xmlns:a16="http://schemas.microsoft.com/office/drawing/2014/main" id="{F18AC818-D483-9D2E-3508-F9D67B6B7442}"/>
+              </a:ext>
+            </a:extLst>
+          </p:cNvPr>
+          <p:cNvPicPr>
+            <a:picLocks noGrp="1" noChangeAspect="1"/>
+          </p:cNvPicPr>
+          <p:nvPr>
+            <p:ph idx="1"/>
+          </p:nvPr>
+        </p:nvPicPr>
+        <p:blipFill>
+          <a:blip r:embed="rId2"/>
+          <a:stretch>
+            <a:fillRect/>
+          </a:stretch>
+        </p:blipFill>
+        <p:spPr>
+          <a:xfrm>
+            <a:off x="2750835" y="1690688"/>
+            <a:ext cx="6690329" cy="4555438"/>
+          </a:xfrm>
+          <a:prstGeom prst="rect">
+            <a:avLst/>
+          </a:prstGeom>
+        </p:spPr>
+      </p:pic>
+    </p:spTree>
+    <p:extLst>
+      <p:ext uri="{BB962C8B-B14F-4D97-AF65-F5344CB8AC3E}">
+        <p14:creationId xmlns:p14="http://schemas.microsoft.com/office/powerpoint/2010/main" val="1444500208"/>
       </p:ext>
     </p:extLst>
   </p:cSld>
@@ -4212,4 +6485,299 @@
     </a:ext>
   </a:extLst>
 </a:theme>
+</file>
+
+<file path=ppt/theme/theme2.xml><?xml version="1.0" encoding="utf-8"?>
+<a:theme xmlns:a="http://schemas.openxmlformats.org/drawingml/2006/main" name="Office Theme">
+  <a:themeElements>
+    <a:clrScheme name="Office">
+      <a:dk1>
+        <a:sysClr val="windowText" lastClr="000000"/>
+      </a:dk1>
+      <a:lt1>
+        <a:sysClr val="window" lastClr="FFFFFF"/>
+      </a:lt1>
+      <a:dk2>
+        <a:srgbClr val="44546A"/>
+      </a:dk2>
+      <a:lt2>
+        <a:srgbClr val="E7E6E6"/>
+      </a:lt2>
+      <a:accent1>
+        <a:srgbClr val="4472C4"/>
+      </a:accent1>
+      <a:accent2>
+        <a:srgbClr val="ED7D31"/>
+      </a:accent2>
+      <a:accent3>
+        <a:srgbClr val="A5A5A5"/>
+      </a:accent3>
+      <a:accent4>
+        <a:srgbClr val="FFC000"/>
+      </a:accent4>
+      <a:accent5>
+        <a:srgbClr val="5B9BD5"/>
+      </a:accent5>
+      <a:accent6>
+        <a:srgbClr val="70AD47"/>
+      </a:accent6>
+      <a:hlink>
+        <a:srgbClr val="0563C1"/>
+      </a:hlink>
+      <a:folHlink>
+        <a:srgbClr val="954F72"/>
+      </a:folHlink>
+    </a:clrScheme>
+    <a:fontScheme name="Office">
+      <a:majorFont>
+        <a:latin typeface="Calibri Light" panose="020F0302020204030204"/>
+        <a:ea typeface=""/>
+        <a:cs typeface=""/>
+        <a:font script="Jpan" typeface="游ゴシック Light"/>
+        <a:font script="Hang" typeface="맑은 고딕"/>
+        <a:font script="Hans" typeface="等线 Light"/>
+        <a:font script="Hant" typeface="新細明體"/>
+        <a:font script="Arab" typeface="Times New Roman"/>
+        <a:font script="Hebr" typeface="Times New Roman"/>
+        <a:font script="Thai" typeface="Angsana New"/>
+        <a:font script="Ethi" typeface="Nyala"/>
+        <a:font script="Beng" typeface="Vrinda"/>
+        <a:font script="Gujr" typeface="Shruti"/>
+        <a:font script="Khmr" typeface="MoolBoran"/>
+        <a:font script="Knda" typeface="Tunga"/>
+        <a:font script="Guru" typeface="Raavi"/>
+        <a:font script="Cans" typeface="Euphemia"/>
+        <a:font script="Cher" typeface="Plantagenet Cherokee"/>
+        <a:font script="Yiii" typeface="Microsoft Yi Baiti"/>
+        <a:font script="Tibt" typeface="Microsoft Himalaya"/>
+        <a:font script="Thaa" typeface="MV Boli"/>
+        <a:font script="Deva" typeface="Mangal"/>
+        <a:font script="Telu" typeface="Gautami"/>
+        <a:font script="Taml" typeface="Latha"/>
+        <a:font script="Syrc" typeface="Estrangelo Edessa"/>
+        <a:font script="Orya" typeface="Kalinga"/>
+        <a:font script="Mlym" typeface="Kartika"/>
+        <a:font script="Laoo" typeface="DokChampa"/>
+        <a:font script="Sinh" typeface="Iskoola Pota"/>
+        <a:font script="Mong" typeface="Mongolian Baiti"/>
+        <a:font script="Viet" typeface="Times New Roman"/>
+        <a:font script="Uigh" typeface="Microsoft Uighur"/>
+        <a:font script="Geor" typeface="Sylfaen"/>
+        <a:font script="Armn" typeface="Arial"/>
+        <a:font script="Bugi" typeface="Leelawadee UI"/>
+        <a:font script="Bopo" typeface="Microsoft JhengHei"/>
+        <a:font script="Java" typeface="Javanese Text"/>
+        <a:font script="Lisu" typeface="Segoe UI"/>
+        <a:font script="Mymr" typeface="Myanmar Text"/>
+        <a:font script="Nkoo" typeface="Ebrima"/>
+        <a:font script="Olck" typeface="Nirmala UI"/>
+        <a:font script="Osma" typeface="Ebrima"/>
+        <a:font script="Phag" typeface="Phagspa"/>
+        <a:font script="Syrn" typeface="Estrangelo Edessa"/>
+        <a:font script="Syrj" typeface="Estrangelo Edessa"/>
+        <a:font script="Syre" typeface="Estrangelo Edessa"/>
+        <a:font script="Sora" typeface="Nirmala UI"/>
+        <a:font script="Tale" typeface="Microsoft Tai Le"/>
+        <a:font script="Talu" typeface="Microsoft New Tai Lue"/>
+        <a:font script="Tfng" typeface="Ebrima"/>
+      </a:majorFont>
+      <a:minorFont>
+        <a:latin typeface="Calibri" panose="020F0502020204030204"/>
+        <a:ea typeface=""/>
+        <a:cs typeface=""/>
+        <a:font script="Jpan" typeface="游ゴシック"/>
+        <a:font script="Hang" typeface="맑은 고딕"/>
+        <a:font script="Hans" typeface="等线"/>
+        <a:font script="Hant" typeface="新細明體"/>
+        <a:font script="Arab" typeface="Arial"/>
+        <a:font script="Hebr" typeface="Arial"/>
+        <a:font script="Thai" typeface="Cordia New"/>
+        <a:font script="Ethi" typeface="Nyala"/>
+        <a:font script="Beng" typeface="Vrinda"/>
+        <a:font script="Gujr" typeface="Shruti"/>
+        <a:font script="Khmr" typeface="DaunPenh"/>
+        <a:font script="Knda" typeface="Tunga"/>
+        <a:font script="Guru" typeface="Raavi"/>
+        <a:font script="Cans" typeface="Euphemia"/>
+        <a:font script="Cher" typeface="Plantagenet Cherokee"/>
+        <a:font script="Yiii" typeface="Microsoft Yi Baiti"/>
+        <a:font script="Tibt" typeface="Microsoft Himalaya"/>
+        <a:font script="Thaa" typeface="MV Boli"/>
+        <a:font script="Deva" typeface="Mangal"/>
+        <a:font script="Telu" typeface="Gautami"/>
+        <a:font script="Taml" typeface="Latha"/>
+        <a:font script="Syrc" typeface="Estrangelo Edessa"/>
+        <a:font script="Orya" typeface="Kalinga"/>
+        <a:font script="Mlym" typeface="Kartika"/>
+        <a:font script="Laoo" typeface="DokChampa"/>
+        <a:font script="Sinh" typeface="Iskoola Pota"/>
+        <a:font script="Mong" typeface="Mongolian Baiti"/>
+        <a:font script="Viet" typeface="Arial"/>
+        <a:font script="Uigh" typeface="Microsoft Uighur"/>
+        <a:font script="Geor" typeface="Sylfaen"/>
+        <a:font script="Armn" typeface="Arial"/>
+        <a:font script="Bugi" typeface="Leelawadee UI"/>
+        <a:font script="Bopo" typeface="Microsoft JhengHei"/>
+        <a:font script="Java" typeface="Javanese Text"/>
+        <a:font script="Lisu" typeface="Segoe UI"/>
+        <a:font script="Mymr" typeface="Myanmar Text"/>
+        <a:font script="Nkoo" typeface="Ebrima"/>
+        <a:font script="Olck" typeface="Nirmala UI"/>
+        <a:font script="Osma" typeface="Ebrima"/>
+        <a:font script="Phag" typeface="Phagspa"/>
+        <a:font script="Syrn" typeface="Estrangelo Edessa"/>
+        <a:font script="Syrj" typeface="Estrangelo Edessa"/>
+        <a:font script="Syre" typeface="Estrangelo Edessa"/>
+        <a:font script="Sora" typeface="Nirmala UI"/>
+        <a:font script="Tale" typeface="Microsoft Tai Le"/>
+        <a:font script="Talu" typeface="Microsoft New Tai Lue"/>
+        <a:font script="Tfng" typeface="Ebrima"/>
+      </a:minorFont>
+    </a:fontScheme>
+    <a:fmtScheme name="Office">
+      <a:fillStyleLst>
+        <a:solidFill>
+          <a:schemeClr val="phClr"/>
+        </a:solidFill>
+        <a:gradFill rotWithShape="1">
+          <a:gsLst>
+            <a:gs pos="0">
+              <a:schemeClr val="phClr">
+                <a:lumMod val="110000"/>
+                <a:satMod val="105000"/>
+                <a:tint val="67000"/>
+              </a:schemeClr>
+            </a:gs>
+            <a:gs pos="50000">
+              <a:schemeClr val="phClr">
+                <a:lumMod val="105000"/>
+                <a:satMod val="103000"/>
+                <a:tint val="73000"/>
+              </a:schemeClr>
+            </a:gs>
+            <a:gs pos="100000">
+              <a:schemeClr val="phClr">
+                <a:lumMod val="105000"/>
+                <a:satMod val="109000"/>
+                <a:tint val="81000"/>
+              </a:schemeClr>
+            </a:gs>
+          </a:gsLst>
+          <a:lin ang="5400000" scaled="0"/>
+        </a:gradFill>
+        <a:gradFill rotWithShape="1">
+          <a:gsLst>
+            <a:gs pos="0">
+              <a:schemeClr val="phClr">
+                <a:satMod val="103000"/>
+                <a:lumMod val="102000"/>
+                <a:tint val="94000"/>
+              </a:schemeClr>
+            </a:gs>
+            <a:gs pos="50000">
+              <a:schemeClr val="phClr">
+                <a:satMod val="110000"/>
+                <a:lumMod val="100000"/>
+                <a:shade val="100000"/>
+              </a:schemeClr>
+            </a:gs>
+            <a:gs pos="100000">
+              <a:schemeClr val="phClr">
+                <a:lumMod val="99000"/>
+                <a:satMod val="120000"/>
+                <a:shade val="78000"/>
+              </a:schemeClr>
+            </a:gs>
+          </a:gsLst>
+          <a:lin ang="5400000" scaled="0"/>
+        </a:gradFill>
+      </a:fillStyleLst>
+      <a:lnStyleLst>
+        <a:ln w="6350" cap="flat" cmpd="sng" algn="ctr">
+          <a:solidFill>
+            <a:schemeClr val="phClr"/>
+          </a:solidFill>
+          <a:prstDash val="solid"/>
+          <a:miter lim="800000"/>
+        </a:ln>
+        <a:ln w="12700" cap="flat" cmpd="sng" algn="ctr">
+          <a:solidFill>
+            <a:schemeClr val="phClr"/>
+          </a:solidFill>
+          <a:prstDash val="solid"/>
+          <a:miter lim="800000"/>
+        </a:ln>
+        <a:ln w="19050" cap="flat" cmpd="sng" algn="ctr">
+          <a:solidFill>
+            <a:schemeClr val="phClr"/>
+          </a:solidFill>
+          <a:prstDash val="solid"/>
+          <a:miter lim="800000"/>
+        </a:ln>
+      </a:lnStyleLst>
+      <a:effectStyleLst>
+        <a:effectStyle>
+          <a:effectLst/>
+        </a:effectStyle>
+        <a:effectStyle>
+          <a:effectLst/>
+        </a:effectStyle>
+        <a:effectStyle>
+          <a:effectLst>
+            <a:outerShdw blurRad="57150" dist="19050" dir="5400000" algn="ctr" rotWithShape="0">
+              <a:srgbClr val="000000">
+                <a:alpha val="63000"/>
+              </a:srgbClr>
+            </a:outerShdw>
+          </a:effectLst>
+        </a:effectStyle>
+      </a:effectStyleLst>
+      <a:bgFillStyleLst>
+        <a:solidFill>
+          <a:schemeClr val="phClr"/>
+        </a:solidFill>
+        <a:solidFill>
+          <a:schemeClr val="phClr">
+            <a:tint val="95000"/>
+            <a:satMod val="170000"/>
+          </a:schemeClr>
+        </a:solidFill>
+        <a:gradFill rotWithShape="1">
+          <a:gsLst>
+            <a:gs pos="0">
+              <a:schemeClr val="phClr">
+                <a:tint val="93000"/>
+                <a:satMod val="150000"/>
+                <a:shade val="98000"/>
+                <a:lumMod val="102000"/>
+              </a:schemeClr>
+            </a:gs>
+            <a:gs pos="50000">
+              <a:schemeClr val="phClr">
+                <a:tint val="98000"/>
+                <a:satMod val="130000"/>
+                <a:shade val="90000"/>
+                <a:lumMod val="103000"/>
+              </a:schemeClr>
+            </a:gs>
+            <a:gs pos="100000">
+              <a:schemeClr val="phClr">
+                <a:shade val="63000"/>
+                <a:satMod val="120000"/>
+              </a:schemeClr>
+            </a:gs>
+          </a:gsLst>
+          <a:lin ang="5400000" scaled="0"/>
+        </a:gradFill>
+      </a:bgFillStyleLst>
+    </a:fmtScheme>
+  </a:themeElements>
+  <a:objectDefaults/>
+  <a:extraClrSchemeLst/>
+  <a:extLst>
+    <a:ext uri="{05A4C25C-085E-4340-85A3-A5531E510DB2}">
+      <thm15:themeFamily xmlns:thm15="http://schemas.microsoft.com/office/thememl/2012/main" name="Office Theme" id="{62F939B6-93AF-4DB8-9C6B-D6C7DFDC589F}" vid="{4A3C46E8-61CC-4603-A589-7422A47A8E4A}"/>
+    </a:ext>
+  </a:extLst>
+</a:theme>
 </file>